--- a/CalendarioAgo2025/presentaciones/9_GraficasMatplotlib.pptx
+++ b/CalendarioAgo2025/presentaciones/9_GraficasMatplotlib.pptx
@@ -5,7 +5,7 @@
     <p:sldMasterId id="2147483648" r:id="rId1"/>
   </p:sldMasterIdLst>
   <p:notesMasterIdLst>
-    <p:notesMasterId r:id="rId21"/>
+    <p:notesMasterId r:id="rId20"/>
   </p:notesMasterIdLst>
   <p:sldIdLst>
     <p:sldId id="256" r:id="rId2"/>
@@ -18,15 +18,14 @@
     <p:sldId id="277" r:id="rId9"/>
     <p:sldId id="264" r:id="rId10"/>
     <p:sldId id="278" r:id="rId11"/>
-    <p:sldId id="265" r:id="rId12"/>
-    <p:sldId id="279" r:id="rId13"/>
-    <p:sldId id="266" r:id="rId14"/>
-    <p:sldId id="267" r:id="rId15"/>
-    <p:sldId id="271" r:id="rId16"/>
-    <p:sldId id="272" r:id="rId17"/>
-    <p:sldId id="273" r:id="rId18"/>
-    <p:sldId id="275" r:id="rId19"/>
-    <p:sldId id="276" r:id="rId20"/>
+    <p:sldId id="266" r:id="rId12"/>
+    <p:sldId id="267" r:id="rId13"/>
+    <p:sldId id="265" r:id="rId14"/>
+    <p:sldId id="271" r:id="rId15"/>
+    <p:sldId id="272" r:id="rId16"/>
+    <p:sldId id="273" r:id="rId17"/>
+    <p:sldId id="275" r:id="rId18"/>
+    <p:sldId id="276" r:id="rId19"/>
   </p:sldIdLst>
   <p:sldSz cx="12192000" cy="6858000"/>
   <p:notesSz cx="12192000" cy="6858000"/>
@@ -142,6 +141,276 @@
     </p:ext>
   </p:extLst>
 </p:presentation>
+</file>
+
+<file path=ppt/revisionInfo.xml><?xml version="1.0" encoding="utf-8"?>
+<p1510:revInfo xmlns:a="http://schemas.openxmlformats.org/drawingml/2006/main" xmlns:r="http://schemas.openxmlformats.org/officeDocument/2006/relationships" xmlns:p1510="http://schemas.microsoft.com/office/powerpoint/2015/10/main">
+  <p1510:revLst>
+    <p1510:client id="{0483938E-66E8-4441-9DF4-13329AF17358}" v="5" dt="2025-09-28T20:03:07.523"/>
+  </p1510:revLst>
+</p1510:revInfo>
+</file>
+
+<file path=ppt/changesInfos/changesInfo1.xml><?xml version="1.0" encoding="utf-8"?>
+<pc:chgInfo xmlns:a="http://schemas.openxmlformats.org/drawingml/2006/main" xmlns:r="http://schemas.openxmlformats.org/officeDocument/2006/relationships" xmlns:ac="http://schemas.microsoft.com/office/drawing/2013/main/command" xmlns:pc="http://schemas.microsoft.com/office/powerpoint/2013/main/command">
+  <pc:docChgLst>
+    <pc:chgData name="Lizethe Pérez Fuertes" userId="4ae9ef87-2a7d-42f8-8dfa-0a501a9e2ff4" providerId="ADAL" clId="{FDDD45CB-1330-4033-A842-3D2746AFF7C7}"/>
+    <pc:docChg chg="custSel delSld modSld sldOrd">
+      <pc:chgData name="Lizethe Pérez Fuertes" userId="4ae9ef87-2a7d-42f8-8dfa-0a501a9e2ff4" providerId="ADAL" clId="{FDDD45CB-1330-4033-A842-3D2746AFF7C7}" dt="2025-09-28T20:03:16.785" v="322" actId="1076"/>
+      <pc:docMkLst>
+        <pc:docMk/>
+      </pc:docMkLst>
+      <pc:sldChg chg="addSp delSp modSp mod">
+        <pc:chgData name="Lizethe Pérez Fuertes" userId="4ae9ef87-2a7d-42f8-8dfa-0a501a9e2ff4" providerId="ADAL" clId="{FDDD45CB-1330-4033-A842-3D2746AFF7C7}" dt="2025-09-28T19:30:18.882" v="297" actId="1076"/>
+        <pc:sldMkLst>
+          <pc:docMk/>
+          <pc:sldMk cId="0" sldId="265"/>
+        </pc:sldMkLst>
+        <pc:picChg chg="del">
+          <ac:chgData name="Lizethe Pérez Fuertes" userId="4ae9ef87-2a7d-42f8-8dfa-0a501a9e2ff4" providerId="ADAL" clId="{FDDD45CB-1330-4033-A842-3D2746AFF7C7}" dt="2025-09-28T19:27:58.874" v="276" actId="478"/>
+          <ac:picMkLst>
+            <pc:docMk/>
+            <pc:sldMk cId="0" sldId="265"/>
+            <ac:picMk id="15" creationId="{33EE710D-B996-455F-10A0-09772D11D2D1}"/>
+          </ac:picMkLst>
+        </pc:picChg>
+        <pc:picChg chg="add del mod">
+          <ac:chgData name="Lizethe Pérez Fuertes" userId="4ae9ef87-2a7d-42f8-8dfa-0a501a9e2ff4" providerId="ADAL" clId="{FDDD45CB-1330-4033-A842-3D2746AFF7C7}" dt="2025-09-28T19:29:46.627" v="288" actId="478"/>
+          <ac:picMkLst>
+            <pc:docMk/>
+            <pc:sldMk cId="0" sldId="265"/>
+            <ac:picMk id="16" creationId="{F5520146-C70A-0E1C-72EE-94A2497A56D8}"/>
+          </ac:picMkLst>
+        </pc:picChg>
+        <pc:picChg chg="add mod ord">
+          <ac:chgData name="Lizethe Pérez Fuertes" userId="4ae9ef87-2a7d-42f8-8dfa-0a501a9e2ff4" providerId="ADAL" clId="{FDDD45CB-1330-4033-A842-3D2746AFF7C7}" dt="2025-09-28T19:30:18.882" v="297" actId="1076"/>
+          <ac:picMkLst>
+            <pc:docMk/>
+            <pc:sldMk cId="0" sldId="265"/>
+            <ac:picMk id="18" creationId="{AAEE8686-463F-7609-3A5F-D7340BE9807A}"/>
+          </ac:picMkLst>
+        </pc:picChg>
+        <pc:picChg chg="del">
+          <ac:chgData name="Lizethe Pérez Fuertes" userId="4ae9ef87-2a7d-42f8-8dfa-0a501a9e2ff4" providerId="ADAL" clId="{FDDD45CB-1330-4033-A842-3D2746AFF7C7}" dt="2025-09-28T19:26:35.558" v="270" actId="478"/>
+          <ac:picMkLst>
+            <pc:docMk/>
+            <pc:sldMk cId="0" sldId="265"/>
+            <ac:picMk id="19" creationId="{2C93AD0F-FE6E-4921-CEF1-D1FB1FF0A04B}"/>
+          </ac:picMkLst>
+        </pc:picChg>
+        <pc:picChg chg="add mod">
+          <ac:chgData name="Lizethe Pérez Fuertes" userId="4ae9ef87-2a7d-42f8-8dfa-0a501a9e2ff4" providerId="ADAL" clId="{FDDD45CB-1330-4033-A842-3D2746AFF7C7}" dt="2025-09-28T19:30:08.056" v="295" actId="14100"/>
+          <ac:picMkLst>
+            <pc:docMk/>
+            <pc:sldMk cId="0" sldId="265"/>
+            <ac:picMk id="21" creationId="{C87D43F5-4557-954F-0639-737047624E8A}"/>
+          </ac:picMkLst>
+        </pc:picChg>
+      </pc:sldChg>
+      <pc:sldChg chg="modSp mod ord">
+        <pc:chgData name="Lizethe Pérez Fuertes" userId="4ae9ef87-2a7d-42f8-8dfa-0a501a9e2ff4" providerId="ADAL" clId="{FDDD45CB-1330-4033-A842-3D2746AFF7C7}" dt="2025-09-28T19:18:41.463" v="152" actId="20577"/>
+        <pc:sldMkLst>
+          <pc:docMk/>
+          <pc:sldMk cId="0" sldId="266"/>
+        </pc:sldMkLst>
+        <pc:graphicFrameChg chg="modGraphic">
+          <ac:chgData name="Lizethe Pérez Fuertes" userId="4ae9ef87-2a7d-42f8-8dfa-0a501a9e2ff4" providerId="ADAL" clId="{FDDD45CB-1330-4033-A842-3D2746AFF7C7}" dt="2025-09-28T19:18:41.463" v="152" actId="20577"/>
+          <ac:graphicFrameMkLst>
+            <pc:docMk/>
+            <pc:sldMk cId="0" sldId="266"/>
+            <ac:graphicFrameMk id="6" creationId="{D9FDABF8-C561-5B30-33C1-02535D1A0B6E}"/>
+          </ac:graphicFrameMkLst>
+        </pc:graphicFrameChg>
+      </pc:sldChg>
+      <pc:sldChg chg="addSp modSp mod ord">
+        <pc:chgData name="Lizethe Pérez Fuertes" userId="4ae9ef87-2a7d-42f8-8dfa-0a501a9e2ff4" providerId="ADAL" clId="{FDDD45CB-1330-4033-A842-3D2746AFF7C7}" dt="2025-09-28T19:22:14.964" v="269" actId="790"/>
+        <pc:sldMkLst>
+          <pc:docMk/>
+          <pc:sldMk cId="0" sldId="267"/>
+        </pc:sldMkLst>
+        <pc:spChg chg="mod ord">
+          <ac:chgData name="Lizethe Pérez Fuertes" userId="4ae9ef87-2a7d-42f8-8dfa-0a501a9e2ff4" providerId="ADAL" clId="{FDDD45CB-1330-4033-A842-3D2746AFF7C7}" dt="2025-09-28T19:18:20.352" v="149" actId="1076"/>
+          <ac:spMkLst>
+            <pc:docMk/>
+            <pc:sldMk cId="0" sldId="267"/>
+            <ac:spMk id="12" creationId="{00000000-0000-0000-0000-000000000000}"/>
+          </ac:spMkLst>
+        </pc:spChg>
+        <pc:spChg chg="mod">
+          <ac:chgData name="Lizethe Pérez Fuertes" userId="4ae9ef87-2a7d-42f8-8dfa-0a501a9e2ff4" providerId="ADAL" clId="{FDDD45CB-1330-4033-A842-3D2746AFF7C7}" dt="2025-09-28T19:22:14.964" v="269" actId="790"/>
+          <ac:spMkLst>
+            <pc:docMk/>
+            <pc:sldMk cId="0" sldId="267"/>
+            <ac:spMk id="13" creationId="{00000000-0000-0000-0000-000000000000}"/>
+          </ac:spMkLst>
+        </pc:spChg>
+        <pc:spChg chg="add mod">
+          <ac:chgData name="Lizethe Pérez Fuertes" userId="4ae9ef87-2a7d-42f8-8dfa-0a501a9e2ff4" providerId="ADAL" clId="{FDDD45CB-1330-4033-A842-3D2746AFF7C7}" dt="2025-09-28T19:18:24.663" v="150" actId="1076"/>
+          <ac:spMkLst>
+            <pc:docMk/>
+            <pc:sldMk cId="0" sldId="267"/>
+            <ac:spMk id="17" creationId="{CEF79DDC-FCAE-D362-53B9-577344693611}"/>
+          </ac:spMkLst>
+        </pc:spChg>
+        <pc:grpChg chg="mod">
+          <ac:chgData name="Lizethe Pérez Fuertes" userId="4ae9ef87-2a7d-42f8-8dfa-0a501a9e2ff4" providerId="ADAL" clId="{FDDD45CB-1330-4033-A842-3D2746AFF7C7}" dt="2025-09-28T19:20:14.784" v="154" actId="1076"/>
+          <ac:grpSpMkLst>
+            <pc:docMk/>
+            <pc:sldMk cId="0" sldId="267"/>
+            <ac:grpSpMk id="15" creationId="{66AB6F70-ACBC-B1D6-4A7E-D187FCA5FED4}"/>
+          </ac:grpSpMkLst>
+        </pc:grpChg>
+      </pc:sldChg>
+      <pc:sldChg chg="addSp delSp modSp mod">
+        <pc:chgData name="Lizethe Pérez Fuertes" userId="4ae9ef87-2a7d-42f8-8dfa-0a501a9e2ff4" providerId="ADAL" clId="{FDDD45CB-1330-4033-A842-3D2746AFF7C7}" dt="2025-09-28T19:47:45.499" v="317" actId="1076"/>
+        <pc:sldMkLst>
+          <pc:docMk/>
+          <pc:sldMk cId="0" sldId="272"/>
+        </pc:sldMkLst>
+        <pc:spChg chg="mod">
+          <ac:chgData name="Lizethe Pérez Fuertes" userId="4ae9ef87-2a7d-42f8-8dfa-0a501a9e2ff4" providerId="ADAL" clId="{FDDD45CB-1330-4033-A842-3D2746AFF7C7}" dt="2025-09-28T19:44:00.491" v="310" actId="1076"/>
+          <ac:spMkLst>
+            <pc:docMk/>
+            <pc:sldMk cId="0" sldId="272"/>
+            <ac:spMk id="2" creationId="{00000000-0000-0000-0000-000000000000}"/>
+          </ac:spMkLst>
+        </pc:spChg>
+        <pc:spChg chg="del">
+          <ac:chgData name="Lizethe Pérez Fuertes" userId="4ae9ef87-2a7d-42f8-8dfa-0a501a9e2ff4" providerId="ADAL" clId="{FDDD45CB-1330-4033-A842-3D2746AFF7C7}" dt="2025-09-28T19:43:37.452" v="303" actId="478"/>
+          <ac:spMkLst>
+            <pc:docMk/>
+            <pc:sldMk cId="0" sldId="272"/>
+            <ac:spMk id="3" creationId="{00000000-0000-0000-0000-000000000000}"/>
+          </ac:spMkLst>
+        </pc:spChg>
+        <pc:picChg chg="add del mod">
+          <ac:chgData name="Lizethe Pérez Fuertes" userId="4ae9ef87-2a7d-42f8-8dfa-0a501a9e2ff4" providerId="ADAL" clId="{FDDD45CB-1330-4033-A842-3D2746AFF7C7}" dt="2025-09-28T19:47:31.513" v="311" actId="478"/>
+          <ac:picMkLst>
+            <pc:docMk/>
+            <pc:sldMk cId="0" sldId="272"/>
+            <ac:picMk id="5" creationId="{276F66A1-C066-4D83-BC0F-B8F26530971D}"/>
+          </ac:picMkLst>
+        </pc:picChg>
+        <pc:picChg chg="add mod">
+          <ac:chgData name="Lizethe Pérez Fuertes" userId="4ae9ef87-2a7d-42f8-8dfa-0a501a9e2ff4" providerId="ADAL" clId="{FDDD45CB-1330-4033-A842-3D2746AFF7C7}" dt="2025-09-28T19:47:45.499" v="317" actId="1076"/>
+          <ac:picMkLst>
+            <pc:docMk/>
+            <pc:sldMk cId="0" sldId="272"/>
+            <ac:picMk id="7" creationId="{D8CF2F2F-FC05-5F3C-4AE5-1E70322D3235}"/>
+          </ac:picMkLst>
+        </pc:picChg>
+      </pc:sldChg>
+      <pc:sldChg chg="addSp delSp modSp mod">
+        <pc:chgData name="Lizethe Pérez Fuertes" userId="4ae9ef87-2a7d-42f8-8dfa-0a501a9e2ff4" providerId="ADAL" clId="{FDDD45CB-1330-4033-A842-3D2746AFF7C7}" dt="2025-09-28T19:42:21.723" v="302" actId="1076"/>
+        <pc:sldMkLst>
+          <pc:docMk/>
+          <pc:sldMk cId="0" sldId="273"/>
+        </pc:sldMkLst>
+        <pc:picChg chg="del">
+          <ac:chgData name="Lizethe Pérez Fuertes" userId="4ae9ef87-2a7d-42f8-8dfa-0a501a9e2ff4" providerId="ADAL" clId="{FDDD45CB-1330-4033-A842-3D2746AFF7C7}" dt="2025-09-28T19:42:15.073" v="299" actId="478"/>
+          <ac:picMkLst>
+            <pc:docMk/>
+            <pc:sldMk cId="0" sldId="273"/>
+            <ac:picMk id="4" creationId="{2085D9CC-CD89-2F68-4775-CDA8EEDB87F3}"/>
+          </ac:picMkLst>
+        </pc:picChg>
+        <pc:picChg chg="add mod">
+          <ac:chgData name="Lizethe Pérez Fuertes" userId="4ae9ef87-2a7d-42f8-8dfa-0a501a9e2ff4" providerId="ADAL" clId="{FDDD45CB-1330-4033-A842-3D2746AFF7C7}" dt="2025-09-28T19:42:21.723" v="302" actId="1076"/>
+          <ac:picMkLst>
+            <pc:docMk/>
+            <pc:sldMk cId="0" sldId="273"/>
+            <ac:picMk id="5" creationId="{827B2B07-D2F4-FB87-8B13-238DFA74B682}"/>
+          </ac:picMkLst>
+        </pc:picChg>
+      </pc:sldChg>
+      <pc:sldChg chg="modSp mod">
+        <pc:chgData name="Lizethe Pérez Fuertes" userId="4ae9ef87-2a7d-42f8-8dfa-0a501a9e2ff4" providerId="ADAL" clId="{FDDD45CB-1330-4033-A842-3D2746AFF7C7}" dt="2025-09-28T20:03:16.785" v="322" actId="1076"/>
+        <pc:sldMkLst>
+          <pc:docMk/>
+          <pc:sldMk cId="0" sldId="275"/>
+        </pc:sldMkLst>
+        <pc:spChg chg="mod">
+          <ac:chgData name="Lizethe Pérez Fuertes" userId="4ae9ef87-2a7d-42f8-8dfa-0a501a9e2ff4" providerId="ADAL" clId="{FDDD45CB-1330-4033-A842-3D2746AFF7C7}" dt="2025-09-28T20:03:16.785" v="322" actId="1076"/>
+          <ac:spMkLst>
+            <pc:docMk/>
+            <pc:sldMk cId="0" sldId="275"/>
+            <ac:spMk id="3" creationId="{00000000-0000-0000-0000-000000000000}"/>
+          </ac:spMkLst>
+        </pc:spChg>
+        <pc:spChg chg="mod">
+          <ac:chgData name="Lizethe Pérez Fuertes" userId="4ae9ef87-2a7d-42f8-8dfa-0a501a9e2ff4" providerId="ADAL" clId="{FDDD45CB-1330-4033-A842-3D2746AFF7C7}" dt="2025-09-28T20:02:13.875" v="320" actId="20577"/>
+          <ac:spMkLst>
+            <pc:docMk/>
+            <pc:sldMk cId="0" sldId="275"/>
+            <ac:spMk id="5" creationId="{00000000-0000-0000-0000-000000000000}"/>
+          </ac:spMkLst>
+        </pc:spChg>
+        <pc:spChg chg="mod">
+          <ac:chgData name="Lizethe Pérez Fuertes" userId="4ae9ef87-2a7d-42f8-8dfa-0a501a9e2ff4" providerId="ADAL" clId="{FDDD45CB-1330-4033-A842-3D2746AFF7C7}" dt="2025-09-28T20:03:07.523" v="321"/>
+          <ac:spMkLst>
+            <pc:docMk/>
+            <pc:sldMk cId="0" sldId="275"/>
+            <ac:spMk id="7" creationId="{5BA0B139-C7E4-4F1F-A25F-814A0026FAA6}"/>
+          </ac:spMkLst>
+        </pc:spChg>
+      </pc:sldChg>
+      <pc:sldChg chg="addSp delSp modSp mod">
+        <pc:chgData name="Lizethe Pérez Fuertes" userId="4ae9ef87-2a7d-42f8-8dfa-0a501a9e2ff4" providerId="ADAL" clId="{FDDD45CB-1330-4033-A842-3D2746AFF7C7}" dt="2025-09-28T19:10:00.155" v="19" actId="1076"/>
+        <pc:sldMkLst>
+          <pc:docMk/>
+          <pc:sldMk cId="2034773782" sldId="278"/>
+        </pc:sldMkLst>
+        <pc:spChg chg="mod">
+          <ac:chgData name="Lizethe Pérez Fuertes" userId="4ae9ef87-2a7d-42f8-8dfa-0a501a9e2ff4" providerId="ADAL" clId="{FDDD45CB-1330-4033-A842-3D2746AFF7C7}" dt="2025-09-28T19:10:00.155" v="19" actId="1076"/>
+          <ac:spMkLst>
+            <pc:docMk/>
+            <pc:sldMk cId="2034773782" sldId="278"/>
+            <ac:spMk id="10" creationId="{00000000-0000-0000-0000-000000000000}"/>
+          </ac:spMkLst>
+        </pc:spChg>
+        <pc:picChg chg="add mod ord">
+          <ac:chgData name="Lizethe Pérez Fuertes" userId="4ae9ef87-2a7d-42f8-8dfa-0a501a9e2ff4" providerId="ADAL" clId="{FDDD45CB-1330-4033-A842-3D2746AFF7C7}" dt="2025-09-28T19:09:52.586" v="18" actId="1076"/>
+          <ac:picMkLst>
+            <pc:docMk/>
+            <pc:sldMk cId="2034773782" sldId="278"/>
+            <ac:picMk id="12" creationId="{63B3D925-21D2-BE92-C2AF-4292A70DEE7E}"/>
+          </ac:picMkLst>
+        </pc:picChg>
+        <pc:picChg chg="add mod">
+          <ac:chgData name="Lizethe Pérez Fuertes" userId="4ae9ef87-2a7d-42f8-8dfa-0a501a9e2ff4" providerId="ADAL" clId="{FDDD45CB-1330-4033-A842-3D2746AFF7C7}" dt="2025-09-28T19:09:41.122" v="15" actId="1076"/>
+          <ac:picMkLst>
+            <pc:docMk/>
+            <pc:sldMk cId="2034773782" sldId="278"/>
+            <ac:picMk id="14" creationId="{DBFAF44A-89BD-84B8-0D37-8CD8B7749611}"/>
+          </ac:picMkLst>
+        </pc:picChg>
+        <pc:picChg chg="del">
+          <ac:chgData name="Lizethe Pérez Fuertes" userId="4ae9ef87-2a7d-42f8-8dfa-0a501a9e2ff4" providerId="ADAL" clId="{FDDD45CB-1330-4033-A842-3D2746AFF7C7}" dt="2025-09-28T19:09:16.802" v="7" actId="478"/>
+          <ac:picMkLst>
+            <pc:docMk/>
+            <pc:sldMk cId="2034773782" sldId="278"/>
+            <ac:picMk id="15" creationId="{FDC26257-75A4-73C4-0E0E-42C572221B52}"/>
+          </ac:picMkLst>
+        </pc:picChg>
+        <pc:picChg chg="del">
+          <ac:chgData name="Lizethe Pérez Fuertes" userId="4ae9ef87-2a7d-42f8-8dfa-0a501a9e2ff4" providerId="ADAL" clId="{FDDD45CB-1330-4033-A842-3D2746AFF7C7}" dt="2025-09-28T19:07:01.635" v="2" actId="478"/>
+          <ac:picMkLst>
+            <pc:docMk/>
+            <pc:sldMk cId="2034773782" sldId="278"/>
+            <ac:picMk id="17" creationId="{27F374D7-07B8-1639-8157-E9AC04830E87}"/>
+          </ac:picMkLst>
+        </pc:picChg>
+      </pc:sldChg>
+      <pc:sldChg chg="del">
+        <pc:chgData name="Lizethe Pérez Fuertes" userId="4ae9ef87-2a7d-42f8-8dfa-0a501a9e2ff4" providerId="ADAL" clId="{FDDD45CB-1330-4033-A842-3D2746AFF7C7}" dt="2025-09-28T19:31:47.025" v="298" actId="47"/>
+        <pc:sldMkLst>
+          <pc:docMk/>
+          <pc:sldMk cId="3638279913" sldId="279"/>
+        </pc:sldMkLst>
+      </pc:sldChg>
+    </pc:docChg>
+  </pc:docChgLst>
+</pc:chgInfo>
 </file>
 
 <file path=ppt/notesMasters/notesMaster1.xml><?xml version="1.0" encoding="utf-8"?>
@@ -451,11 +720,6 @@
         </p:txBody>
       </p:sp>
     </p:spTree>
-    <p:extLst>
-      <p:ext uri="{BB962C8B-B14F-4D97-AF65-F5344CB8AC3E}">
-        <p14:creationId xmlns:p14="http://schemas.microsoft.com/office/powerpoint/2010/main" val="3252716297"/>
-      </p:ext>
-    </p:extLst>
   </p:cSld>
   <p:clrMapOvr>
     <a:masterClrMapping/>
@@ -694,52 +958,6 @@
 </file>
 
 <file path=ppt/notesSlides/notesSlide18.xml><?xml version="1.0" encoding="utf-8"?>
-<p:notes xmlns:a="http://schemas.openxmlformats.org/drawingml/2006/main" xmlns:r="http://schemas.openxmlformats.org/officeDocument/2006/relationships" xmlns:p="http://schemas.openxmlformats.org/presentationml/2006/main">
-  <p:cSld>
-    <p:spTree>
-      <p:nvGrpSpPr>
-        <p:cNvPr id="1" name=""/>
-        <p:cNvGrpSpPr/>
-        <p:nvPr/>
-      </p:nvGrpSpPr>
-      <p:grpSpPr>
-        <a:xfrm>
-          <a:off x="0" y="0"/>
-          <a:ext cx="0" cy="0"/>
-          <a:chOff x="0" y="0"/>
-          <a:chExt cx="0" cy="0"/>
-        </a:xfrm>
-      </p:grpSpPr>
-      <p:sp>
-        <p:nvSpPr>
-          <p:cNvPr id="2" name="Notes Placeholder"/>
-          <p:cNvSpPr>
-            <a:spLocks noGrp="1"/>
-          </p:cNvSpPr>
-          <p:nvPr>
-            <p:ph type="body" idx="1"/>
-          </p:nvPr>
-        </p:nvSpPr>
-        <p:spPr/>
-        <p:txBody>
-          <a:bodyPr>
-            <a:normAutofit fontScale="25000" lnSpcReduction="20000"/>
-          </a:bodyPr>
-          <a:lstStyle/>
-          <a:p>
-            <a:endParaRPr/>
-          </a:p>
-        </p:txBody>
-      </p:sp>
-    </p:spTree>
-  </p:cSld>
-  <p:clrMapOvr>
-    <a:masterClrMapping/>
-  </p:clrMapOvr>
-</p:notes>
-</file>
-
-<file path=ppt/notesSlides/notesSlide19.xml><?xml version="1.0" encoding="utf-8"?>
 <p:notes xmlns:a="http://schemas.openxmlformats.org/drawingml/2006/main" xmlns:r="http://schemas.openxmlformats.org/officeDocument/2006/relationships" xmlns:p="http://schemas.openxmlformats.org/presentationml/2006/main">
   <p:cSld>
     <p:spTree>
@@ -1706,7 +1924,7 @@
           <a:p>
             <a:fld id="{1D8BD707-D9CF-40AE-B4C6-C98DA3205C09}" type="datetimeFigureOut">
               <a:rPr lang="en-US"/>
-              <a:t>10/3/2024</a:t>
+              <a:t>9/28/2025</a:t>
             </a:fld>
             <a:endParaRPr lang="en-US"/>
           </a:p>
@@ -1738,7 +1956,7 @@
           </a:lstStyle>
           <a:p>
             <a:fld id="{B6F15528-21DE-4FAA-801E-634DDDAF4B2B}" type="slidenum">
-              <a:t>‹#›</a:t>
+              <a:t>‹Nº›</a:t>
             </a:fld>
             <a:endParaRPr/>
           </a:p>
@@ -2258,7 +2476,7 @@
           <a:p>
             <a:fld id="{1D8BD707-D9CF-40AE-B4C6-C98DA3205C09}" type="datetimeFigureOut">
               <a:rPr lang="en-US"/>
-              <a:t>10/3/2024</a:t>
+              <a:t>9/28/2025</a:t>
             </a:fld>
             <a:endParaRPr lang="en-US"/>
           </a:p>
@@ -2290,7 +2508,7 @@
           </a:lstStyle>
           <a:p>
             <a:fld id="{B6F15528-21DE-4FAA-801E-634DDDAF4B2B}" type="slidenum">
-              <a:t>‹#›</a:t>
+              <a:t>‹Nº›</a:t>
             </a:fld>
             <a:endParaRPr/>
           </a:p>
@@ -2876,7 +3094,7 @@
           <a:p>
             <a:fld id="{1D8BD707-D9CF-40AE-B4C6-C98DA3205C09}" type="datetimeFigureOut">
               <a:rPr lang="en-US"/>
-              <a:t>10/3/2024</a:t>
+              <a:t>9/28/2025</a:t>
             </a:fld>
             <a:endParaRPr lang="en-US"/>
           </a:p>
@@ -2908,7 +3126,7 @@
           </a:lstStyle>
           <a:p>
             <a:fld id="{B6F15528-21DE-4FAA-801E-634DDDAF4B2B}" type="slidenum">
-              <a:t>‹#›</a:t>
+              <a:t>‹Nº›</a:t>
             </a:fld>
             <a:endParaRPr/>
           </a:p>
@@ -3428,7 +3646,7 @@
           <a:p>
             <a:fld id="{1D8BD707-D9CF-40AE-B4C6-C98DA3205C09}" type="datetimeFigureOut">
               <a:rPr lang="en-US"/>
-              <a:t>10/3/2024</a:t>
+              <a:t>9/28/2025</a:t>
             </a:fld>
             <a:endParaRPr lang="en-US"/>
           </a:p>
@@ -3460,7 +3678,7 @@
           </a:lstStyle>
           <a:p>
             <a:fld id="{B6F15528-21DE-4FAA-801E-634DDDAF4B2B}" type="slidenum">
-              <a:t>‹#›</a:t>
+              <a:t>‹Nº›</a:t>
             </a:fld>
             <a:endParaRPr/>
           </a:p>
@@ -3547,7 +3765,7 @@
           <a:p>
             <a:fld id="{1D8BD707-D9CF-40AE-B4C6-C98DA3205C09}" type="datetimeFigureOut">
               <a:rPr lang="en-US"/>
-              <a:t>10/3/2024</a:t>
+              <a:t>9/28/2025</a:t>
             </a:fld>
             <a:endParaRPr lang="en-US"/>
           </a:p>
@@ -3579,7 +3797,7 @@
           </a:lstStyle>
           <a:p>
             <a:fld id="{B6F15528-21DE-4FAA-801E-634DDDAF4B2B}" type="slidenum">
-              <a:t>‹#›</a:t>
+              <a:t>‹Nº›</a:t>
             </a:fld>
             <a:endParaRPr/>
           </a:p>
@@ -3801,7 +4019,7 @@
           <a:p>
             <a:fld id="{1D8BD707-D9CF-40AE-B4C6-C98DA3205C09}" type="datetimeFigureOut">
               <a:rPr lang="en-US"/>
-              <a:t>10/3/2024</a:t>
+              <a:t>9/28/2025</a:t>
             </a:fld>
             <a:endParaRPr lang="en-US"/>
           </a:p>
@@ -3843,7 +4061,7 @@
           </a:lstStyle>
           <a:p>
             <a:fld id="{B6F15528-21DE-4FAA-801E-634DDDAF4B2B}" type="slidenum">
-              <a:t>‹#›</a:t>
+              <a:t>‹Nº›</a:t>
             </a:fld>
             <a:endParaRPr/>
           </a:p>
@@ -5461,7 +5679,7 @@
         </p:nvSpPr>
         <p:spPr>
           <a:xfrm>
-            <a:off x="838200" y="163806"/>
+            <a:off x="838200" y="76853"/>
             <a:ext cx="9799574" cy="492443"/>
           </a:xfrm>
           <a:prstGeom prst="rect">
@@ -5495,10 +5713,10 @@
       </p:sp>
       <p:pic>
         <p:nvPicPr>
-          <p:cNvPr id="17" name="Picture 16">
+          <p:cNvPr id="14" name="Imagen 13">
             <a:extLst>
               <a:ext uri="{FF2B5EF4-FFF2-40B4-BE49-F238E27FC236}">
-                <a16:creationId xmlns:a16="http://schemas.microsoft.com/office/drawing/2014/main" id="{27F374D7-07B8-1639-8157-E9AC04830E87}"/>
+                <a16:creationId xmlns:a16="http://schemas.microsoft.com/office/drawing/2014/main" id="{DBFAF44A-89BD-84B8-0D37-8CD8B7749611}"/>
               </a:ext>
             </a:extLst>
           </p:cNvPr>
@@ -5515,8 +5733,8 @@
         </p:blipFill>
         <p:spPr>
           <a:xfrm>
-            <a:off x="1845690" y="771154"/>
-            <a:ext cx="6906589" cy="5315692"/>
+            <a:off x="7059302" y="2638327"/>
+            <a:ext cx="5132698" cy="4219670"/>
           </a:xfrm>
           <a:prstGeom prst="rect">
             <a:avLst/>
@@ -5525,10 +5743,10 @@
       </p:pic>
       <p:pic>
         <p:nvPicPr>
-          <p:cNvPr id="15" name="Picture 14">
+          <p:cNvPr id="12" name="Imagen 11">
             <a:extLst>
               <a:ext uri="{FF2B5EF4-FFF2-40B4-BE49-F238E27FC236}">
-                <a16:creationId xmlns:a16="http://schemas.microsoft.com/office/drawing/2014/main" id="{FDC26257-75A4-73C4-0E0E-42C572221B52}"/>
+                <a16:creationId xmlns:a16="http://schemas.microsoft.com/office/drawing/2014/main" id="{63B3D925-21D2-BE92-C2AF-4292A70DEE7E}"/>
               </a:ext>
             </a:extLst>
           </p:cNvPr>
@@ -5545,8 +5763,8 @@
         </p:blipFill>
         <p:spPr>
           <a:xfrm>
-            <a:off x="6940853" y="2537356"/>
-            <a:ext cx="5100271" cy="4146716"/>
+            <a:off x="0" y="656249"/>
+            <a:ext cx="7120055" cy="6209861"/>
           </a:xfrm>
           <a:prstGeom prst="rect">
             <a:avLst/>
@@ -5567,1275 +5785,6 @@
 </file>
 
 <file path=ppt/slides/slide11.xml><?xml version="1.0" encoding="utf-8"?>
-<p:sld xmlns:a="http://schemas.openxmlformats.org/drawingml/2006/main" xmlns:r="http://schemas.openxmlformats.org/officeDocument/2006/relationships" xmlns:p="http://schemas.openxmlformats.org/presentationml/2006/main">
-  <p:cSld>
-    <p:spTree>
-      <p:nvGrpSpPr>
-        <p:cNvPr id="1" name=""/>
-        <p:cNvGrpSpPr/>
-        <p:nvPr/>
-      </p:nvGrpSpPr>
-      <p:grpSpPr>
-        <a:xfrm>
-          <a:off x="0" y="0"/>
-          <a:ext cx="0" cy="0"/>
-          <a:chOff x="0" y="0"/>
-          <a:chExt cx="0" cy="0"/>
-        </a:xfrm>
-      </p:grpSpPr>
-      <p:sp>
-        <p:nvSpPr>
-          <p:cNvPr id="2" name="object 2"/>
-          <p:cNvSpPr/>
-          <p:nvPr/>
-        </p:nvSpPr>
-        <p:spPr>
-          <a:xfrm>
-            <a:off x="5359908" y="6316978"/>
-            <a:ext cx="1690115" cy="446530"/>
-          </a:xfrm>
-          <a:prstGeom prst="rect">
-            <a:avLst/>
-          </a:prstGeom>
-          <a:blipFill>
-            <a:blip r:embed="rId3" cstate="print"/>
-            <a:stretch>
-              <a:fillRect/>
-            </a:stretch>
-          </a:blipFill>
-        </p:spPr>
-        <p:txBody>
-          <a:bodyPr wrap="square" lIns="0" tIns="0" rIns="0" bIns="0" rtlCol="0"/>
-          <a:lstStyle/>
-          <a:p>
-            <a:endParaRPr/>
-          </a:p>
-        </p:txBody>
-      </p:sp>
-      <p:sp>
-        <p:nvSpPr>
-          <p:cNvPr id="3" name="object 3"/>
-          <p:cNvSpPr/>
-          <p:nvPr/>
-        </p:nvSpPr>
-        <p:spPr>
-          <a:xfrm>
-            <a:off x="8063483" y="2205227"/>
-            <a:ext cx="4125468" cy="431291"/>
-          </a:xfrm>
-          <a:prstGeom prst="rect">
-            <a:avLst/>
-          </a:prstGeom>
-          <a:blipFill>
-            <a:blip r:embed="rId4" cstate="print"/>
-            <a:stretch>
-              <a:fillRect/>
-            </a:stretch>
-          </a:blipFill>
-        </p:spPr>
-        <p:txBody>
-          <a:bodyPr wrap="square" lIns="0" tIns="0" rIns="0" bIns="0" rtlCol="0"/>
-          <a:lstStyle/>
-          <a:p>
-            <a:endParaRPr/>
-          </a:p>
-        </p:txBody>
-      </p:sp>
-      <p:sp>
-        <p:nvSpPr>
-          <p:cNvPr id="4" name="object 4"/>
-          <p:cNvSpPr/>
-          <p:nvPr/>
-        </p:nvSpPr>
-        <p:spPr>
-          <a:xfrm>
-            <a:off x="8266176" y="0"/>
-            <a:ext cx="3922776" cy="2276855"/>
-          </a:xfrm>
-          <a:prstGeom prst="rect">
-            <a:avLst/>
-          </a:prstGeom>
-          <a:blipFill>
-            <a:blip r:embed="rId5" cstate="print"/>
-            <a:stretch>
-              <a:fillRect/>
-            </a:stretch>
-          </a:blipFill>
-        </p:spPr>
-        <p:txBody>
-          <a:bodyPr wrap="square" lIns="0" tIns="0" rIns="0" bIns="0" rtlCol="0"/>
-          <a:lstStyle/>
-          <a:p>
-            <a:endParaRPr/>
-          </a:p>
-        </p:txBody>
-      </p:sp>
-      <p:sp>
-        <p:nvSpPr>
-          <p:cNvPr id="5" name="object 5"/>
-          <p:cNvSpPr/>
-          <p:nvPr/>
-        </p:nvSpPr>
-        <p:spPr>
-          <a:xfrm>
-            <a:off x="457200" y="0"/>
-            <a:ext cx="1122045" cy="5329555"/>
-          </a:xfrm>
-          <a:custGeom>
-            <a:avLst/>
-            <a:gdLst/>
-            <a:ahLst/>
-            <a:cxnLst/>
-            <a:rect l="l" t="t" r="r" b="b"/>
-            <a:pathLst>
-              <a:path w="1122045" h="5329555">
-                <a:moveTo>
-                  <a:pt x="1121664" y="0"/>
-                </a:moveTo>
-                <a:lnTo>
-                  <a:pt x="867791" y="0"/>
-                </a:lnTo>
-                <a:lnTo>
-                  <a:pt x="0" y="5286502"/>
-                </a:lnTo>
-                <a:lnTo>
-                  <a:pt x="247497" y="5329428"/>
-                </a:lnTo>
-                <a:lnTo>
-                  <a:pt x="1121664" y="0"/>
-                </a:lnTo>
-                <a:close/>
-              </a:path>
-            </a:pathLst>
-          </a:custGeom>
-          <a:solidFill>
-            <a:srgbClr val="2FACEB"/>
-          </a:solidFill>
-        </p:spPr>
-        <p:txBody>
-          <a:bodyPr wrap="square" lIns="0" tIns="0" rIns="0" bIns="0" rtlCol="0"/>
-          <a:lstStyle/>
-          <a:p>
-            <a:endParaRPr/>
-          </a:p>
-        </p:txBody>
-      </p:sp>
-      <p:sp>
-        <p:nvSpPr>
-          <p:cNvPr id="6" name="object 6"/>
-          <p:cNvSpPr/>
-          <p:nvPr/>
-        </p:nvSpPr>
-        <p:spPr>
-          <a:xfrm>
-            <a:off x="150876" y="0"/>
-            <a:ext cx="1117600" cy="5278120"/>
-          </a:xfrm>
-          <a:custGeom>
-            <a:avLst/>
-            <a:gdLst/>
-            <a:ahLst/>
-            <a:cxnLst/>
-            <a:rect l="l" t="t" r="r" b="b"/>
-            <a:pathLst>
-              <a:path w="1117600" h="5278120">
-                <a:moveTo>
-                  <a:pt x="1117092" y="0"/>
-                </a:moveTo>
-                <a:lnTo>
-                  <a:pt x="864793" y="0"/>
-                </a:lnTo>
-                <a:lnTo>
-                  <a:pt x="0" y="5239512"/>
-                </a:lnTo>
-                <a:lnTo>
-                  <a:pt x="249123" y="5277612"/>
-                </a:lnTo>
-                <a:lnTo>
-                  <a:pt x="1117092" y="0"/>
-                </a:lnTo>
-                <a:close/>
-              </a:path>
-            </a:pathLst>
-          </a:custGeom>
-          <a:solidFill>
-            <a:srgbClr val="585858"/>
-          </a:solidFill>
-        </p:spPr>
-        <p:txBody>
-          <a:bodyPr wrap="square" lIns="0" tIns="0" rIns="0" bIns="0" rtlCol="0"/>
-          <a:lstStyle/>
-          <a:p>
-            <a:endParaRPr/>
-          </a:p>
-        </p:txBody>
-      </p:sp>
-      <p:sp>
-        <p:nvSpPr>
-          <p:cNvPr id="7" name="object 7"/>
-          <p:cNvSpPr/>
-          <p:nvPr/>
-        </p:nvSpPr>
-        <p:spPr>
-          <a:xfrm>
-            <a:off x="150876" y="5239511"/>
-            <a:ext cx="1228725" cy="1618615"/>
-          </a:xfrm>
-          <a:custGeom>
-            <a:avLst/>
-            <a:gdLst/>
-            <a:ahLst/>
-            <a:cxnLst/>
-            <a:rect l="l" t="t" r="r" b="b"/>
-            <a:pathLst>
-              <a:path w="1228725" h="1618615">
-                <a:moveTo>
-                  <a:pt x="0" y="0"/>
-                </a:moveTo>
-                <a:lnTo>
-                  <a:pt x="1174369" y="1618487"/>
-                </a:lnTo>
-                <a:lnTo>
-                  <a:pt x="1228344" y="1618487"/>
-                </a:lnTo>
-                <a:lnTo>
-                  <a:pt x="0" y="0"/>
-                </a:lnTo>
-                <a:close/>
-              </a:path>
-            </a:pathLst>
-          </a:custGeom>
-          <a:solidFill>
-            <a:srgbClr val="252525"/>
-          </a:solidFill>
-        </p:spPr>
-        <p:txBody>
-          <a:bodyPr wrap="square" lIns="0" tIns="0" rIns="0" bIns="0" rtlCol="0"/>
-          <a:lstStyle/>
-          <a:p>
-            <a:endParaRPr/>
-          </a:p>
-        </p:txBody>
-      </p:sp>
-      <p:sp>
-        <p:nvSpPr>
-          <p:cNvPr id="8" name="object 8"/>
-          <p:cNvSpPr/>
-          <p:nvPr/>
-        </p:nvSpPr>
-        <p:spPr>
-          <a:xfrm>
-            <a:off x="457200" y="5291328"/>
-            <a:ext cx="1495425" cy="1567180"/>
-          </a:xfrm>
-          <a:custGeom>
-            <a:avLst/>
-            <a:gdLst/>
-            <a:ahLst/>
-            <a:cxnLst/>
-            <a:rect l="l" t="t" r="r" b="b"/>
-            <a:pathLst>
-              <a:path w="1495425" h="1567179">
-                <a:moveTo>
-                  <a:pt x="0" y="0"/>
-                </a:moveTo>
-                <a:lnTo>
-                  <a:pt x="1442720" y="1566672"/>
-                </a:lnTo>
-                <a:lnTo>
-                  <a:pt x="1495044" y="1566672"/>
-                </a:lnTo>
-                <a:lnTo>
-                  <a:pt x="0" y="0"/>
-                </a:lnTo>
-                <a:close/>
-              </a:path>
-            </a:pathLst>
-          </a:custGeom>
-          <a:solidFill>
-            <a:srgbClr val="0C5A82"/>
-          </a:solidFill>
-        </p:spPr>
-        <p:txBody>
-          <a:bodyPr wrap="square" lIns="0" tIns="0" rIns="0" bIns="0" rtlCol="0"/>
-          <a:lstStyle/>
-          <a:p>
-            <a:endParaRPr/>
-          </a:p>
-        </p:txBody>
-      </p:sp>
-      <p:sp>
-        <p:nvSpPr>
-          <p:cNvPr id="9" name="object 9"/>
-          <p:cNvSpPr/>
-          <p:nvPr/>
-        </p:nvSpPr>
-        <p:spPr>
-          <a:xfrm>
-            <a:off x="457200" y="5286755"/>
-            <a:ext cx="2129155" cy="1571625"/>
-          </a:xfrm>
-          <a:custGeom>
-            <a:avLst/>
-            <a:gdLst/>
-            <a:ahLst/>
-            <a:cxnLst/>
-            <a:rect l="l" t="t" r="r" b="b"/>
-            <a:pathLst>
-              <a:path w="2129155" h="1571625">
-                <a:moveTo>
-                  <a:pt x="0" y="0"/>
-                </a:moveTo>
-                <a:lnTo>
-                  <a:pt x="0" y="4699"/>
-                </a:lnTo>
-                <a:lnTo>
-                  <a:pt x="1494408" y="1571243"/>
-                </a:lnTo>
-                <a:lnTo>
-                  <a:pt x="2129028" y="1571243"/>
-                </a:lnTo>
-                <a:lnTo>
-                  <a:pt x="247484" y="42799"/>
-                </a:lnTo>
-                <a:lnTo>
-                  <a:pt x="0" y="0"/>
-                </a:lnTo>
-                <a:close/>
-              </a:path>
-            </a:pathLst>
-          </a:custGeom>
-          <a:solidFill>
-            <a:srgbClr val="1286C3"/>
-          </a:solidFill>
-        </p:spPr>
-        <p:txBody>
-          <a:bodyPr wrap="square" lIns="0" tIns="0" rIns="0" bIns="0" rtlCol="0"/>
-          <a:lstStyle/>
-          <a:p>
-            <a:endParaRPr/>
-          </a:p>
-        </p:txBody>
-      </p:sp>
-      <p:sp>
-        <p:nvSpPr>
-          <p:cNvPr id="10" name="object 10"/>
-          <p:cNvSpPr/>
-          <p:nvPr/>
-        </p:nvSpPr>
-        <p:spPr>
-          <a:xfrm>
-            <a:off x="150876" y="5239511"/>
-            <a:ext cx="1694814" cy="1618615"/>
-          </a:xfrm>
-          <a:custGeom>
-            <a:avLst/>
-            <a:gdLst/>
-            <a:ahLst/>
-            <a:cxnLst/>
-            <a:rect l="l" t="t" r="r" b="b"/>
-            <a:pathLst>
-              <a:path w="1694814" h="1618615">
-                <a:moveTo>
-                  <a:pt x="0" y="0"/>
-                </a:moveTo>
-                <a:lnTo>
-                  <a:pt x="1228217" y="1618487"/>
-                </a:lnTo>
-                <a:lnTo>
-                  <a:pt x="1694688" y="1618487"/>
-                </a:lnTo>
-                <a:lnTo>
-                  <a:pt x="291972" y="95250"/>
-                </a:lnTo>
-                <a:lnTo>
-                  <a:pt x="244360" y="42799"/>
-                </a:lnTo>
-                <a:lnTo>
-                  <a:pt x="249123" y="42799"/>
-                </a:lnTo>
-                <a:lnTo>
-                  <a:pt x="249123" y="38100"/>
-                </a:lnTo>
-                <a:lnTo>
-                  <a:pt x="244360" y="38100"/>
-                </a:lnTo>
-                <a:lnTo>
-                  <a:pt x="0" y="0"/>
-                </a:lnTo>
-                <a:close/>
-              </a:path>
-            </a:pathLst>
-          </a:custGeom>
-          <a:solidFill>
-            <a:srgbClr val="404040"/>
-          </a:solidFill>
-        </p:spPr>
-        <p:txBody>
-          <a:bodyPr wrap="square" lIns="0" tIns="0" rIns="0" bIns="0" rtlCol="0"/>
-          <a:lstStyle/>
-          <a:p>
-            <a:endParaRPr/>
-          </a:p>
-        </p:txBody>
-      </p:sp>
-      <p:sp>
-        <p:nvSpPr>
-          <p:cNvPr id="11" name="object 11"/>
-          <p:cNvSpPr/>
-          <p:nvPr/>
-        </p:nvSpPr>
-        <p:spPr>
-          <a:xfrm>
-            <a:off x="0" y="0"/>
-            <a:ext cx="12189460" cy="6858000"/>
-          </a:xfrm>
-          <a:custGeom>
-            <a:avLst/>
-            <a:gdLst/>
-            <a:ahLst/>
-            <a:cxnLst/>
-            <a:rect l="l" t="t" r="r" b="b"/>
-            <a:pathLst>
-              <a:path w="12189460" h="6858000">
-                <a:moveTo>
-                  <a:pt x="0" y="6858000"/>
-                </a:moveTo>
-                <a:lnTo>
-                  <a:pt x="12188952" y="6858000"/>
-                </a:lnTo>
-                <a:lnTo>
-                  <a:pt x="12188952" y="0"/>
-                </a:lnTo>
-                <a:lnTo>
-                  <a:pt x="0" y="0"/>
-                </a:lnTo>
-                <a:lnTo>
-                  <a:pt x="0" y="6858000"/>
-                </a:lnTo>
-              </a:path>
-            </a:pathLst>
-          </a:custGeom>
-          <a:solidFill>
-            <a:srgbClr val="576D6E"/>
-          </a:solidFill>
-        </p:spPr>
-        <p:txBody>
-          <a:bodyPr wrap="square" lIns="0" tIns="0" rIns="0" bIns="0" rtlCol="0"/>
-          <a:lstStyle/>
-          <a:p>
-            <a:endParaRPr/>
-          </a:p>
-        </p:txBody>
-      </p:sp>
-      <p:sp>
-        <p:nvSpPr>
-          <p:cNvPr id="12" name="object 12"/>
-          <p:cNvSpPr/>
-          <p:nvPr/>
-        </p:nvSpPr>
-        <p:spPr>
-          <a:xfrm>
-            <a:off x="379476" y="266698"/>
-            <a:ext cx="11736324" cy="6438902"/>
-          </a:xfrm>
-          <a:custGeom>
-            <a:avLst/>
-            <a:gdLst/>
-            <a:ahLst/>
-            <a:cxnLst/>
-            <a:rect l="l" t="t" r="r" b="b"/>
-            <a:pathLst>
-              <a:path w="11235055" h="5897880">
-                <a:moveTo>
-                  <a:pt x="0" y="5897880"/>
-                </a:moveTo>
-                <a:lnTo>
-                  <a:pt x="11234928" y="5897880"/>
-                </a:lnTo>
-                <a:lnTo>
-                  <a:pt x="11234928" y="0"/>
-                </a:lnTo>
-                <a:lnTo>
-                  <a:pt x="0" y="0"/>
-                </a:lnTo>
-                <a:lnTo>
-                  <a:pt x="0" y="5897880"/>
-                </a:lnTo>
-                <a:close/>
-              </a:path>
-            </a:pathLst>
-          </a:custGeom>
-          <a:solidFill>
-            <a:srgbClr val="FFFFFF"/>
-          </a:solidFill>
-        </p:spPr>
-        <p:txBody>
-          <a:bodyPr wrap="square" lIns="0" tIns="0" rIns="0" bIns="0" rtlCol="0"/>
-          <a:lstStyle/>
-          <a:p>
-            <a:endParaRPr/>
-          </a:p>
-        </p:txBody>
-      </p:sp>
-      <p:sp>
-        <p:nvSpPr>
-          <p:cNvPr id="14" name="object 14"/>
-          <p:cNvSpPr txBox="1">
-            <a:spLocks noGrp="1"/>
-          </p:cNvSpPr>
-          <p:nvPr>
-            <p:ph type="title"/>
-          </p:nvPr>
-        </p:nvSpPr>
-        <p:spPr>
-          <a:xfrm>
-            <a:off x="2286000" y="278819"/>
-            <a:ext cx="7696200" cy="553998"/>
-          </a:xfrm>
-          <a:prstGeom prst="rect">
-            <a:avLst/>
-          </a:prstGeom>
-        </p:spPr>
-        <p:txBody>
-          <a:bodyPr vert="horz" wrap="square" lIns="0" tIns="0" rIns="0" bIns="0" rtlCol="0">
-            <a:spAutoFit/>
-          </a:bodyPr>
-          <a:lstStyle/>
-          <a:p>
-            <a:pPr marL="174625" algn="ctr">
-              <a:lnSpc>
-                <a:spcPct val="100000"/>
-              </a:lnSpc>
-            </a:pPr>
-            <a:r>
-              <a:rPr lang="es-MX" sz="3600" b="1" spc="-20" dirty="0"/>
-              <a:t>Gráfica </a:t>
-            </a:r>
-            <a:r>
-              <a:rPr lang="es-MX" sz="3600" b="1" spc="-15" dirty="0"/>
-              <a:t>con dos</a:t>
-            </a:r>
-            <a:r>
-              <a:rPr sz="3600" b="1" spc="-5" dirty="0"/>
-              <a:t> </a:t>
-            </a:r>
-            <a:r>
-              <a:rPr sz="3600" b="1" spc="-15" dirty="0"/>
-              <a:t>líneas</a:t>
-            </a:r>
-            <a:endParaRPr sz="3600" b="1" dirty="0"/>
-          </a:p>
-        </p:txBody>
-      </p:sp>
-      <p:pic>
-        <p:nvPicPr>
-          <p:cNvPr id="19" name="Picture 18">
-            <a:extLst>
-              <a:ext uri="{FF2B5EF4-FFF2-40B4-BE49-F238E27FC236}">
-                <a16:creationId xmlns:a16="http://schemas.microsoft.com/office/drawing/2014/main" id="{2C93AD0F-FE6E-4921-CEF1-D1FB1FF0A04B}"/>
-              </a:ext>
-            </a:extLst>
-          </p:cNvPr>
-          <p:cNvPicPr>
-            <a:picLocks noChangeAspect="1"/>
-          </p:cNvPicPr>
-          <p:nvPr/>
-        </p:nvPicPr>
-        <p:blipFill>
-          <a:blip r:embed="rId6"/>
-          <a:stretch>
-            <a:fillRect/>
-          </a:stretch>
-        </p:blipFill>
-        <p:spPr>
-          <a:xfrm>
-            <a:off x="449070" y="933330"/>
-            <a:ext cx="7816597" cy="3683606"/>
-          </a:xfrm>
-          <a:prstGeom prst="rect">
-            <a:avLst/>
-          </a:prstGeom>
-        </p:spPr>
-      </p:pic>
-      <p:pic>
-        <p:nvPicPr>
-          <p:cNvPr id="15" name="Picture 14">
-            <a:extLst>
-              <a:ext uri="{FF2B5EF4-FFF2-40B4-BE49-F238E27FC236}">
-                <a16:creationId xmlns:a16="http://schemas.microsoft.com/office/drawing/2014/main" id="{33EE710D-B996-455F-10A0-09772D11D2D1}"/>
-              </a:ext>
-            </a:extLst>
-          </p:cNvPr>
-          <p:cNvPicPr>
-            <a:picLocks noChangeAspect="1"/>
-          </p:cNvPicPr>
-          <p:nvPr/>
-        </p:nvPicPr>
-        <p:blipFill>
-          <a:blip r:embed="rId7"/>
-          <a:stretch>
-            <a:fillRect/>
-          </a:stretch>
-        </p:blipFill>
-        <p:spPr>
-          <a:xfrm>
-            <a:off x="7347113" y="3038044"/>
-            <a:ext cx="4610661" cy="3624597"/>
-          </a:xfrm>
-          <a:prstGeom prst="rect">
-            <a:avLst/>
-          </a:prstGeom>
-        </p:spPr>
-      </p:pic>
-    </p:spTree>
-  </p:cSld>
-  <p:clrMapOvr>
-    <a:masterClrMapping/>
-  </p:clrMapOvr>
-</p:sld>
-</file>
-
-<file path=ppt/slides/slide12.xml><?xml version="1.0" encoding="utf-8"?>
-<p:sld xmlns:a="http://schemas.openxmlformats.org/drawingml/2006/main" xmlns:r="http://schemas.openxmlformats.org/officeDocument/2006/relationships" xmlns:p="http://schemas.openxmlformats.org/presentationml/2006/main">
-  <p:cSld>
-    <p:spTree>
-      <p:nvGrpSpPr>
-        <p:cNvPr id="1" name=""/>
-        <p:cNvGrpSpPr/>
-        <p:nvPr/>
-      </p:nvGrpSpPr>
-      <p:grpSpPr>
-        <a:xfrm>
-          <a:off x="0" y="0"/>
-          <a:ext cx="0" cy="0"/>
-          <a:chOff x="0" y="0"/>
-          <a:chExt cx="0" cy="0"/>
-        </a:xfrm>
-      </p:grpSpPr>
-      <p:sp>
-        <p:nvSpPr>
-          <p:cNvPr id="2" name="object 2"/>
-          <p:cNvSpPr/>
-          <p:nvPr/>
-        </p:nvSpPr>
-        <p:spPr>
-          <a:xfrm>
-            <a:off x="5359908" y="6316978"/>
-            <a:ext cx="1690115" cy="446530"/>
-          </a:xfrm>
-          <a:prstGeom prst="rect">
-            <a:avLst/>
-          </a:prstGeom>
-          <a:blipFill>
-            <a:blip r:embed="rId3" cstate="print"/>
-            <a:stretch>
-              <a:fillRect/>
-            </a:stretch>
-          </a:blipFill>
-        </p:spPr>
-        <p:txBody>
-          <a:bodyPr wrap="square" lIns="0" tIns="0" rIns="0" bIns="0" rtlCol="0"/>
-          <a:lstStyle/>
-          <a:p>
-            <a:endParaRPr/>
-          </a:p>
-        </p:txBody>
-      </p:sp>
-      <p:sp>
-        <p:nvSpPr>
-          <p:cNvPr id="3" name="object 3"/>
-          <p:cNvSpPr/>
-          <p:nvPr/>
-        </p:nvSpPr>
-        <p:spPr>
-          <a:xfrm>
-            <a:off x="8063483" y="2205227"/>
-            <a:ext cx="4125468" cy="431291"/>
-          </a:xfrm>
-          <a:prstGeom prst="rect">
-            <a:avLst/>
-          </a:prstGeom>
-          <a:blipFill>
-            <a:blip r:embed="rId4" cstate="print"/>
-            <a:stretch>
-              <a:fillRect/>
-            </a:stretch>
-          </a:blipFill>
-        </p:spPr>
-        <p:txBody>
-          <a:bodyPr wrap="square" lIns="0" tIns="0" rIns="0" bIns="0" rtlCol="0"/>
-          <a:lstStyle/>
-          <a:p>
-            <a:endParaRPr/>
-          </a:p>
-        </p:txBody>
-      </p:sp>
-      <p:sp>
-        <p:nvSpPr>
-          <p:cNvPr id="4" name="object 4"/>
-          <p:cNvSpPr/>
-          <p:nvPr/>
-        </p:nvSpPr>
-        <p:spPr>
-          <a:xfrm>
-            <a:off x="8266176" y="0"/>
-            <a:ext cx="3922776" cy="2276855"/>
-          </a:xfrm>
-          <a:prstGeom prst="rect">
-            <a:avLst/>
-          </a:prstGeom>
-          <a:blipFill>
-            <a:blip r:embed="rId5" cstate="print"/>
-            <a:stretch>
-              <a:fillRect/>
-            </a:stretch>
-          </a:blipFill>
-        </p:spPr>
-        <p:txBody>
-          <a:bodyPr wrap="square" lIns="0" tIns="0" rIns="0" bIns="0" rtlCol="0"/>
-          <a:lstStyle/>
-          <a:p>
-            <a:endParaRPr/>
-          </a:p>
-        </p:txBody>
-      </p:sp>
-      <p:sp>
-        <p:nvSpPr>
-          <p:cNvPr id="5" name="object 5"/>
-          <p:cNvSpPr/>
-          <p:nvPr/>
-        </p:nvSpPr>
-        <p:spPr>
-          <a:xfrm>
-            <a:off x="457200" y="0"/>
-            <a:ext cx="1122045" cy="5329555"/>
-          </a:xfrm>
-          <a:custGeom>
-            <a:avLst/>
-            <a:gdLst/>
-            <a:ahLst/>
-            <a:cxnLst/>
-            <a:rect l="l" t="t" r="r" b="b"/>
-            <a:pathLst>
-              <a:path w="1122045" h="5329555">
-                <a:moveTo>
-                  <a:pt x="1121664" y="0"/>
-                </a:moveTo>
-                <a:lnTo>
-                  <a:pt x="867791" y="0"/>
-                </a:lnTo>
-                <a:lnTo>
-                  <a:pt x="0" y="5286502"/>
-                </a:lnTo>
-                <a:lnTo>
-                  <a:pt x="247497" y="5329428"/>
-                </a:lnTo>
-                <a:lnTo>
-                  <a:pt x="1121664" y="0"/>
-                </a:lnTo>
-                <a:close/>
-              </a:path>
-            </a:pathLst>
-          </a:custGeom>
-          <a:solidFill>
-            <a:srgbClr val="2FACEB"/>
-          </a:solidFill>
-        </p:spPr>
-        <p:txBody>
-          <a:bodyPr wrap="square" lIns="0" tIns="0" rIns="0" bIns="0" rtlCol="0"/>
-          <a:lstStyle/>
-          <a:p>
-            <a:endParaRPr/>
-          </a:p>
-        </p:txBody>
-      </p:sp>
-      <p:sp>
-        <p:nvSpPr>
-          <p:cNvPr id="6" name="object 6"/>
-          <p:cNvSpPr/>
-          <p:nvPr/>
-        </p:nvSpPr>
-        <p:spPr>
-          <a:xfrm>
-            <a:off x="150876" y="0"/>
-            <a:ext cx="1117600" cy="5278120"/>
-          </a:xfrm>
-          <a:custGeom>
-            <a:avLst/>
-            <a:gdLst/>
-            <a:ahLst/>
-            <a:cxnLst/>
-            <a:rect l="l" t="t" r="r" b="b"/>
-            <a:pathLst>
-              <a:path w="1117600" h="5278120">
-                <a:moveTo>
-                  <a:pt x="1117092" y="0"/>
-                </a:moveTo>
-                <a:lnTo>
-                  <a:pt x="864793" y="0"/>
-                </a:lnTo>
-                <a:lnTo>
-                  <a:pt x="0" y="5239512"/>
-                </a:lnTo>
-                <a:lnTo>
-                  <a:pt x="249123" y="5277612"/>
-                </a:lnTo>
-                <a:lnTo>
-                  <a:pt x="1117092" y="0"/>
-                </a:lnTo>
-                <a:close/>
-              </a:path>
-            </a:pathLst>
-          </a:custGeom>
-          <a:solidFill>
-            <a:srgbClr val="585858"/>
-          </a:solidFill>
-        </p:spPr>
-        <p:txBody>
-          <a:bodyPr wrap="square" lIns="0" tIns="0" rIns="0" bIns="0" rtlCol="0"/>
-          <a:lstStyle/>
-          <a:p>
-            <a:endParaRPr/>
-          </a:p>
-        </p:txBody>
-      </p:sp>
-      <p:sp>
-        <p:nvSpPr>
-          <p:cNvPr id="7" name="object 7"/>
-          <p:cNvSpPr/>
-          <p:nvPr/>
-        </p:nvSpPr>
-        <p:spPr>
-          <a:xfrm>
-            <a:off x="150876" y="5239511"/>
-            <a:ext cx="1228725" cy="1618615"/>
-          </a:xfrm>
-          <a:custGeom>
-            <a:avLst/>
-            <a:gdLst/>
-            <a:ahLst/>
-            <a:cxnLst/>
-            <a:rect l="l" t="t" r="r" b="b"/>
-            <a:pathLst>
-              <a:path w="1228725" h="1618615">
-                <a:moveTo>
-                  <a:pt x="0" y="0"/>
-                </a:moveTo>
-                <a:lnTo>
-                  <a:pt x="1174369" y="1618487"/>
-                </a:lnTo>
-                <a:lnTo>
-                  <a:pt x="1228344" y="1618487"/>
-                </a:lnTo>
-                <a:lnTo>
-                  <a:pt x="0" y="0"/>
-                </a:lnTo>
-                <a:close/>
-              </a:path>
-            </a:pathLst>
-          </a:custGeom>
-          <a:solidFill>
-            <a:srgbClr val="252525"/>
-          </a:solidFill>
-        </p:spPr>
-        <p:txBody>
-          <a:bodyPr wrap="square" lIns="0" tIns="0" rIns="0" bIns="0" rtlCol="0"/>
-          <a:lstStyle/>
-          <a:p>
-            <a:endParaRPr/>
-          </a:p>
-        </p:txBody>
-      </p:sp>
-      <p:sp>
-        <p:nvSpPr>
-          <p:cNvPr id="8" name="object 8"/>
-          <p:cNvSpPr/>
-          <p:nvPr/>
-        </p:nvSpPr>
-        <p:spPr>
-          <a:xfrm>
-            <a:off x="457200" y="5291328"/>
-            <a:ext cx="1495425" cy="1567180"/>
-          </a:xfrm>
-          <a:custGeom>
-            <a:avLst/>
-            <a:gdLst/>
-            <a:ahLst/>
-            <a:cxnLst/>
-            <a:rect l="l" t="t" r="r" b="b"/>
-            <a:pathLst>
-              <a:path w="1495425" h="1567179">
-                <a:moveTo>
-                  <a:pt x="0" y="0"/>
-                </a:moveTo>
-                <a:lnTo>
-                  <a:pt x="1442720" y="1566672"/>
-                </a:lnTo>
-                <a:lnTo>
-                  <a:pt x="1495044" y="1566672"/>
-                </a:lnTo>
-                <a:lnTo>
-                  <a:pt x="0" y="0"/>
-                </a:lnTo>
-                <a:close/>
-              </a:path>
-            </a:pathLst>
-          </a:custGeom>
-          <a:solidFill>
-            <a:srgbClr val="0C5A82"/>
-          </a:solidFill>
-        </p:spPr>
-        <p:txBody>
-          <a:bodyPr wrap="square" lIns="0" tIns="0" rIns="0" bIns="0" rtlCol="0"/>
-          <a:lstStyle/>
-          <a:p>
-            <a:endParaRPr/>
-          </a:p>
-        </p:txBody>
-      </p:sp>
-      <p:sp>
-        <p:nvSpPr>
-          <p:cNvPr id="9" name="object 9"/>
-          <p:cNvSpPr/>
-          <p:nvPr/>
-        </p:nvSpPr>
-        <p:spPr>
-          <a:xfrm>
-            <a:off x="457200" y="5286755"/>
-            <a:ext cx="2129155" cy="1571625"/>
-          </a:xfrm>
-          <a:custGeom>
-            <a:avLst/>
-            <a:gdLst/>
-            <a:ahLst/>
-            <a:cxnLst/>
-            <a:rect l="l" t="t" r="r" b="b"/>
-            <a:pathLst>
-              <a:path w="2129155" h="1571625">
-                <a:moveTo>
-                  <a:pt x="0" y="0"/>
-                </a:moveTo>
-                <a:lnTo>
-                  <a:pt x="0" y="4699"/>
-                </a:lnTo>
-                <a:lnTo>
-                  <a:pt x="1494408" y="1571243"/>
-                </a:lnTo>
-                <a:lnTo>
-                  <a:pt x="2129028" y="1571243"/>
-                </a:lnTo>
-                <a:lnTo>
-                  <a:pt x="247484" y="42799"/>
-                </a:lnTo>
-                <a:lnTo>
-                  <a:pt x="0" y="0"/>
-                </a:lnTo>
-                <a:close/>
-              </a:path>
-            </a:pathLst>
-          </a:custGeom>
-          <a:solidFill>
-            <a:srgbClr val="1286C3"/>
-          </a:solidFill>
-        </p:spPr>
-        <p:txBody>
-          <a:bodyPr wrap="square" lIns="0" tIns="0" rIns="0" bIns="0" rtlCol="0"/>
-          <a:lstStyle/>
-          <a:p>
-            <a:endParaRPr/>
-          </a:p>
-        </p:txBody>
-      </p:sp>
-      <p:sp>
-        <p:nvSpPr>
-          <p:cNvPr id="10" name="object 10"/>
-          <p:cNvSpPr/>
-          <p:nvPr/>
-        </p:nvSpPr>
-        <p:spPr>
-          <a:xfrm>
-            <a:off x="150876" y="5239511"/>
-            <a:ext cx="1694814" cy="1618615"/>
-          </a:xfrm>
-          <a:custGeom>
-            <a:avLst/>
-            <a:gdLst/>
-            <a:ahLst/>
-            <a:cxnLst/>
-            <a:rect l="l" t="t" r="r" b="b"/>
-            <a:pathLst>
-              <a:path w="1694814" h="1618615">
-                <a:moveTo>
-                  <a:pt x="0" y="0"/>
-                </a:moveTo>
-                <a:lnTo>
-                  <a:pt x="1228217" y="1618487"/>
-                </a:lnTo>
-                <a:lnTo>
-                  <a:pt x="1694688" y="1618487"/>
-                </a:lnTo>
-                <a:lnTo>
-                  <a:pt x="291972" y="95250"/>
-                </a:lnTo>
-                <a:lnTo>
-                  <a:pt x="244360" y="42799"/>
-                </a:lnTo>
-                <a:lnTo>
-                  <a:pt x="249123" y="42799"/>
-                </a:lnTo>
-                <a:lnTo>
-                  <a:pt x="249123" y="38100"/>
-                </a:lnTo>
-                <a:lnTo>
-                  <a:pt x="244360" y="38100"/>
-                </a:lnTo>
-                <a:lnTo>
-                  <a:pt x="0" y="0"/>
-                </a:lnTo>
-                <a:close/>
-              </a:path>
-            </a:pathLst>
-          </a:custGeom>
-          <a:solidFill>
-            <a:srgbClr val="404040"/>
-          </a:solidFill>
-        </p:spPr>
-        <p:txBody>
-          <a:bodyPr wrap="square" lIns="0" tIns="0" rIns="0" bIns="0" rtlCol="0"/>
-          <a:lstStyle/>
-          <a:p>
-            <a:endParaRPr/>
-          </a:p>
-        </p:txBody>
-      </p:sp>
-      <p:sp>
-        <p:nvSpPr>
-          <p:cNvPr id="11" name="object 11"/>
-          <p:cNvSpPr/>
-          <p:nvPr/>
-        </p:nvSpPr>
-        <p:spPr>
-          <a:xfrm>
-            <a:off x="0" y="0"/>
-            <a:ext cx="12189460" cy="6858000"/>
-          </a:xfrm>
-          <a:custGeom>
-            <a:avLst/>
-            <a:gdLst/>
-            <a:ahLst/>
-            <a:cxnLst/>
-            <a:rect l="l" t="t" r="r" b="b"/>
-            <a:pathLst>
-              <a:path w="12189460" h="6858000">
-                <a:moveTo>
-                  <a:pt x="0" y="6858000"/>
-                </a:moveTo>
-                <a:lnTo>
-                  <a:pt x="12188952" y="6858000"/>
-                </a:lnTo>
-                <a:lnTo>
-                  <a:pt x="12188952" y="0"/>
-                </a:lnTo>
-                <a:lnTo>
-                  <a:pt x="0" y="0"/>
-                </a:lnTo>
-                <a:lnTo>
-                  <a:pt x="0" y="6858000"/>
-                </a:lnTo>
-              </a:path>
-            </a:pathLst>
-          </a:custGeom>
-          <a:solidFill>
-            <a:srgbClr val="576D6E"/>
-          </a:solidFill>
-        </p:spPr>
-        <p:txBody>
-          <a:bodyPr wrap="square" lIns="0" tIns="0" rIns="0" bIns="0" rtlCol="0"/>
-          <a:lstStyle/>
-          <a:p>
-            <a:endParaRPr/>
-          </a:p>
-        </p:txBody>
-      </p:sp>
-      <p:sp>
-        <p:nvSpPr>
-          <p:cNvPr id="12" name="object 12"/>
-          <p:cNvSpPr/>
-          <p:nvPr/>
-        </p:nvSpPr>
-        <p:spPr>
-          <a:xfrm>
-            <a:off x="304800" y="243710"/>
-            <a:ext cx="11736324" cy="6438902"/>
-          </a:xfrm>
-          <a:custGeom>
-            <a:avLst/>
-            <a:gdLst/>
-            <a:ahLst/>
-            <a:cxnLst/>
-            <a:rect l="l" t="t" r="r" b="b"/>
-            <a:pathLst>
-              <a:path w="11235055" h="5897880">
-                <a:moveTo>
-                  <a:pt x="0" y="5897880"/>
-                </a:moveTo>
-                <a:lnTo>
-                  <a:pt x="11234928" y="5897880"/>
-                </a:lnTo>
-                <a:lnTo>
-                  <a:pt x="11234928" y="0"/>
-                </a:lnTo>
-                <a:lnTo>
-                  <a:pt x="0" y="0"/>
-                </a:lnTo>
-                <a:lnTo>
-                  <a:pt x="0" y="5897880"/>
-                </a:lnTo>
-                <a:close/>
-              </a:path>
-            </a:pathLst>
-          </a:custGeom>
-          <a:solidFill>
-            <a:srgbClr val="FFFFFF"/>
-          </a:solidFill>
-        </p:spPr>
-        <p:txBody>
-          <a:bodyPr wrap="square" lIns="0" tIns="0" rIns="0" bIns="0" rtlCol="0"/>
-          <a:lstStyle/>
-          <a:p>
-            <a:endParaRPr/>
-          </a:p>
-        </p:txBody>
-      </p:sp>
-      <p:sp>
-        <p:nvSpPr>
-          <p:cNvPr id="14" name="object 14"/>
-          <p:cNvSpPr txBox="1">
-            <a:spLocks noGrp="1"/>
-          </p:cNvSpPr>
-          <p:nvPr>
-            <p:ph type="title"/>
-          </p:nvPr>
-        </p:nvSpPr>
-        <p:spPr>
-          <a:xfrm>
-            <a:off x="1514157" y="299453"/>
-            <a:ext cx="9017000" cy="553998"/>
-          </a:xfrm>
-          <a:prstGeom prst="rect">
-            <a:avLst/>
-          </a:prstGeom>
-        </p:spPr>
-        <p:txBody>
-          <a:bodyPr vert="horz" wrap="square" lIns="0" tIns="0" rIns="0" bIns="0" rtlCol="0">
-            <a:spAutoFit/>
-          </a:bodyPr>
-          <a:lstStyle/>
-          <a:p>
-            <a:pPr marL="174625" algn="ctr">
-              <a:lnSpc>
-                <a:spcPct val="100000"/>
-              </a:lnSpc>
-            </a:pPr>
-            <a:r>
-              <a:rPr lang="es-MX" sz="3600" b="1" spc="-20" dirty="0"/>
-              <a:t>Gráfica </a:t>
-            </a:r>
-            <a:r>
-              <a:rPr lang="es-MX" sz="3600" b="1" spc="-15" dirty="0"/>
-              <a:t>con dos</a:t>
-            </a:r>
-            <a:r>
-              <a:rPr sz="3600" b="1" spc="-5" dirty="0"/>
-              <a:t> </a:t>
-            </a:r>
-            <a:r>
-              <a:rPr sz="3600" b="1" spc="-15" dirty="0" err="1"/>
-              <a:t>líneas</a:t>
-            </a:r>
-            <a:r>
-              <a:rPr lang="es-MX" sz="3600" b="1" spc="-15" dirty="0"/>
-              <a:t> y rotación de etiquetas</a:t>
-            </a:r>
-            <a:endParaRPr sz="3600" b="1" dirty="0"/>
-          </a:p>
-        </p:txBody>
-      </p:sp>
-      <p:pic>
-        <p:nvPicPr>
-          <p:cNvPr id="18" name="Picture 17">
-            <a:extLst>
-              <a:ext uri="{FF2B5EF4-FFF2-40B4-BE49-F238E27FC236}">
-                <a16:creationId xmlns:a16="http://schemas.microsoft.com/office/drawing/2014/main" id="{CC242DF1-B464-597E-3E29-6E0F696952F8}"/>
-              </a:ext>
-            </a:extLst>
-          </p:cNvPr>
-          <p:cNvPicPr>
-            <a:picLocks noChangeAspect="1"/>
-          </p:cNvPicPr>
-          <p:nvPr/>
-        </p:nvPicPr>
-        <p:blipFill>
-          <a:blip r:embed="rId6"/>
-          <a:stretch>
-            <a:fillRect/>
-          </a:stretch>
-        </p:blipFill>
-        <p:spPr>
-          <a:xfrm>
-            <a:off x="565144" y="1034213"/>
-            <a:ext cx="7638396" cy="3842587"/>
-          </a:xfrm>
-          <a:prstGeom prst="rect">
-            <a:avLst/>
-          </a:prstGeom>
-        </p:spPr>
-      </p:pic>
-      <p:pic>
-        <p:nvPicPr>
-          <p:cNvPr id="15" name="Picture 14">
-            <a:extLst>
-              <a:ext uri="{FF2B5EF4-FFF2-40B4-BE49-F238E27FC236}">
-                <a16:creationId xmlns:a16="http://schemas.microsoft.com/office/drawing/2014/main" id="{CC3F594C-6D9B-71D7-0233-26D4C3859A57}"/>
-              </a:ext>
-            </a:extLst>
-          </p:cNvPr>
-          <p:cNvPicPr>
-            <a:picLocks noChangeAspect="1"/>
-          </p:cNvPicPr>
-          <p:nvPr/>
-        </p:nvPicPr>
-        <p:blipFill>
-          <a:blip r:embed="rId7"/>
-          <a:stretch>
-            <a:fillRect/>
-          </a:stretch>
-        </p:blipFill>
-        <p:spPr>
-          <a:xfrm>
-            <a:off x="7594469" y="3113887"/>
-            <a:ext cx="4348727" cy="3411369"/>
-          </a:xfrm>
-          <a:prstGeom prst="rect">
-            <a:avLst/>
-          </a:prstGeom>
-        </p:spPr>
-      </p:pic>
-    </p:spTree>
-    <p:extLst>
-      <p:ext uri="{BB962C8B-B14F-4D97-AF65-F5344CB8AC3E}">
-        <p14:creationId xmlns:p14="http://schemas.microsoft.com/office/powerpoint/2010/main" val="3638279913"/>
-      </p:ext>
-    </p:extLst>
-  </p:cSld>
-  <p:clrMapOvr>
-    <a:masterClrMapping/>
-  </p:clrMapOvr>
-</p:sld>
-</file>
-
-<file path=ppt/slides/slide13.xml><?xml version="1.0" encoding="utf-8"?>
 <p:sld xmlns:a="http://schemas.openxmlformats.org/drawingml/2006/main" xmlns:r="http://schemas.openxmlformats.org/officeDocument/2006/relationships" xmlns:p="http://schemas.openxmlformats.org/presentationml/2006/main">
   <p:cSld>
     <p:spTree>
@@ -6937,7 +5886,7 @@
           <p:nvPr>
             <p:extLst>
               <p:ext uri="{D42A27DB-BD31-4B8C-83A1-F6EECF244321}">
-                <p14:modId xmlns:p14="http://schemas.microsoft.com/office/powerpoint/2010/main" val="2933171152"/>
+                <p14:modId xmlns:p14="http://schemas.microsoft.com/office/powerpoint/2010/main" val="2119835236"/>
               </p:ext>
             </p:extLst>
           </p:nvPr>
@@ -7179,10 +6128,9 @@
                     <a:p>
                       <a:pPr algn="ctr"/>
                       <a:r>
-                        <a:rPr lang="es-MX" dirty="0" err="1"/>
-                        <a:t>Cyan</a:t>
+                        <a:rPr lang="es-MX" dirty="0"/>
+                        <a:t>Cian</a:t>
                       </a:r>
-                      <a:endParaRPr lang="es-MX" dirty="0"/>
                     </a:p>
                   </a:txBody>
                   <a:tcPr/>
@@ -7410,7 +6358,7 @@
 </p:sld>
 </file>
 
-<file path=ppt/slides/slide14.xml><?xml version="1.0" encoding="utf-8"?>
+<file path=ppt/slides/slide12.xml><?xml version="1.0" encoding="utf-8"?>
 <p:sld xmlns:a="http://schemas.openxmlformats.org/drawingml/2006/main" xmlns:r="http://schemas.openxmlformats.org/officeDocument/2006/relationships" xmlns:p="http://schemas.openxmlformats.org/presentationml/2006/main">
   <p:cSld>
     <p:spTree>
@@ -7825,35 +6773,6 @@
       </p:sp>
       <p:sp>
         <p:nvSpPr>
-          <p:cNvPr id="12" name="object 12"/>
-          <p:cNvSpPr/>
-          <p:nvPr/>
-        </p:nvSpPr>
-        <p:spPr>
-          <a:xfrm>
-            <a:off x="537972" y="4153980"/>
-            <a:ext cx="5012435" cy="509015"/>
-          </a:xfrm>
-          <a:prstGeom prst="rect">
-            <a:avLst/>
-          </a:prstGeom>
-          <a:blipFill>
-            <a:blip r:embed="rId6" cstate="print"/>
-            <a:stretch>
-              <a:fillRect/>
-            </a:stretch>
-          </a:blipFill>
-        </p:spPr>
-        <p:txBody>
-          <a:bodyPr wrap="square" lIns="0" tIns="0" rIns="0" bIns="0" rtlCol="0"/>
-          <a:lstStyle/>
-          <a:p>
-            <a:endParaRPr dirty="0"/>
-          </a:p>
-        </p:txBody>
-      </p:sp>
-      <p:sp>
-        <p:nvSpPr>
           <p:cNvPr id="13" name="object 13"/>
           <p:cNvSpPr txBox="1"/>
           <p:nvPr/>
@@ -7861,7 +6780,7 @@
         <p:spPr>
           <a:xfrm>
             <a:off x="5791200" y="533400"/>
-            <a:ext cx="5638800" cy="1661993"/>
+            <a:ext cx="6017858" cy="1969770"/>
           </a:xfrm>
           <a:prstGeom prst="rect">
             <a:avLst/>
@@ -8021,7 +6940,7 @@
                 <a:latin typeface="Corbel"/>
                 <a:cs typeface="Corbel"/>
               </a:rPr>
-              <a:t>"</a:t>
+              <a:t>"m</a:t>
             </a:r>
             <a:r>
               <a:rPr sz="2000" b="1" spc="-5" dirty="0">
@@ -8035,7 +6954,7 @@
                 <a:latin typeface="Corbel"/>
                 <a:cs typeface="Corbel"/>
               </a:rPr>
-              <a:t>.m</a:t>
+              <a:t>.</a:t>
             </a:r>
             <a:r>
               <a:rPr lang="es-ES" sz="2000" b="1" dirty="0">
@@ -8198,18 +7117,11 @@
               <a:t>"</a:t>
             </a:r>
             <a:r>
-              <a:rPr sz="2000" b="1" spc="-20" dirty="0">
-                <a:latin typeface="Corbel"/>
-                <a:cs typeface="Corbel"/>
-              </a:rPr>
-              <a:t>p</a:t>
-            </a:r>
-            <a:r>
-              <a:rPr sz="2000" b="1" spc="-10" dirty="0">
-                <a:latin typeface="Corbel"/>
-                <a:cs typeface="Corbel"/>
-              </a:rPr>
-              <a:t>r</a:t>
+              <a:rPr lang="es-ES" sz="2000" b="1" dirty="0" err="1">
+                <a:latin typeface="Corbel"/>
+                <a:cs typeface="Corbel"/>
+              </a:rPr>
+              <a:t>rp</a:t>
             </a:r>
             <a:r>
               <a:rPr lang="es-MX" sz="2000" b="1" spc="-5" dirty="0">
@@ -8322,6 +7234,51 @@
                 <a:cs typeface="Corbel"/>
               </a:rPr>
               <a:t>rayas</a:t>
+            </a:r>
+            <a:endParaRPr lang="es-MX" sz="2000" dirty="0">
+              <a:latin typeface="Corbel"/>
+              <a:cs typeface="Corbel"/>
+            </a:endParaRPr>
+          </a:p>
+          <a:p>
+            <a:pPr marL="355600" indent="-342900">
+              <a:buFont typeface="Arial" panose="020B0604020202020204" pitchFamily="34" charset="0"/>
+              <a:buChar char="•"/>
+            </a:pPr>
+            <a:r>
+              <a:rPr lang="es-MX" sz="2000" b="1" dirty="0">
+                <a:latin typeface="Corbel"/>
+                <a:cs typeface="Corbel"/>
+              </a:rPr>
+              <a:t>“b&gt;</a:t>
+            </a:r>
+            <a:r>
+              <a:rPr lang="es-MX" sz="2000" b="1" spc="-5" dirty="0">
+                <a:latin typeface="Corbel"/>
+                <a:cs typeface="Corbel"/>
+              </a:rPr>
+              <a:t>-</a:t>
+            </a:r>
+            <a:r>
+              <a:rPr lang="es-MX" sz="2000" b="1" dirty="0">
+                <a:latin typeface="Corbel"/>
+                <a:cs typeface="Corbel"/>
+              </a:rPr>
+              <a:t>"</a:t>
+            </a:r>
+            <a:r>
+              <a:rPr lang="es-MX" sz="2000" b="1" spc="-25" dirty="0">
+                <a:latin typeface="Corbel"/>
+                <a:cs typeface="Corbel"/>
+              </a:rPr>
+              <a:t>    </a:t>
+            </a:r>
+            <a:r>
+              <a:rPr lang="es-MX" sz="2000" dirty="0">
+                <a:latin typeface="Corbel"/>
+                <a:cs typeface="Corbel"/>
+              </a:rPr>
+              <a:t>Flechas color azul unidos por raya continua</a:t>
             </a:r>
             <a:endParaRPr sz="2000" dirty="0">
               <a:latin typeface="Corbel"/>
@@ -8344,8 +7301,8 @@
         </p:nvGrpSpPr>
         <p:grpSpPr>
           <a:xfrm>
-            <a:off x="6248400" y="2864812"/>
-            <a:ext cx="4724400" cy="2554908"/>
+            <a:off x="6094475" y="2747334"/>
+            <a:ext cx="6019800" cy="3294889"/>
             <a:chOff x="6399276" y="2702892"/>
             <a:chExt cx="4724400" cy="2554908"/>
           </a:xfrm>
@@ -8365,7 +7322,7 @@
               <a:avLst/>
             </a:prstGeom>
             <a:blipFill>
-              <a:blip r:embed="rId7" cstate="print"/>
+              <a:blip r:embed="rId6" cstate="print"/>
               <a:stretch>
                 <a:fillRect/>
               </a:stretch>
@@ -8432,6 +7389,141 @@
           </p:txBody>
         </p:sp>
       </p:grpSp>
+      <p:sp>
+        <p:nvSpPr>
+          <p:cNvPr id="17" name="CuadroTexto 16">
+            <a:extLst>
+              <a:ext uri="{FF2B5EF4-FFF2-40B4-BE49-F238E27FC236}">
+                <a16:creationId xmlns:a16="http://schemas.microsoft.com/office/drawing/2014/main" id="{CEF79DDC-FCAE-D362-53B9-577344693611}"/>
+              </a:ext>
+            </a:extLst>
+          </p:cNvPr>
+          <p:cNvSpPr txBox="1"/>
+          <p:nvPr/>
+        </p:nvSpPr>
+        <p:spPr>
+          <a:xfrm>
+            <a:off x="976512" y="4675044"/>
+            <a:ext cx="6712522" cy="369332"/>
+          </a:xfrm>
+          <a:prstGeom prst="rect">
+            <a:avLst/>
+          </a:prstGeom>
+          <a:noFill/>
+        </p:spPr>
+        <p:txBody>
+          <a:bodyPr wrap="square">
+            <a:spAutoFit/>
+          </a:bodyPr>
+          <a:lstStyle/>
+          <a:p>
+            <a:pPr marL="12700">
+              <a:lnSpc>
+                <a:spcPct val="100000"/>
+              </a:lnSpc>
+            </a:pPr>
+            <a:r>
+              <a:rPr lang="es-ES" b="1" dirty="0">
+                <a:latin typeface="Corbel"/>
+                <a:cs typeface="Corbel"/>
+              </a:rPr>
+              <a:t>"</a:t>
+            </a:r>
+            <a:r>
+              <a:rPr lang="es-MX" sz="1800" b="1" dirty="0" err="1">
+                <a:latin typeface="Corbel"/>
+                <a:cs typeface="Corbel"/>
+              </a:rPr>
+              <a:t>cD</a:t>
+            </a:r>
+            <a:r>
+              <a:rPr lang="es-MX" sz="1800" b="1" spc="-5" dirty="0">
+                <a:latin typeface="Corbel"/>
+                <a:cs typeface="Corbel"/>
+              </a:rPr>
+              <a:t>-.</a:t>
+            </a:r>
+            <a:r>
+              <a:rPr lang="es-MX" sz="1800" b="1" dirty="0">
+                <a:latin typeface="Corbel"/>
+                <a:cs typeface="Corbel"/>
+              </a:rPr>
+              <a:t>"</a:t>
+            </a:r>
+            <a:r>
+              <a:rPr lang="es-MX" sz="1800" b="1" spc="-25" dirty="0">
+                <a:latin typeface="Corbel"/>
+                <a:cs typeface="Corbel"/>
+              </a:rPr>
+              <a:t>    </a:t>
+            </a:r>
+            <a:r>
+              <a:rPr lang="es-MX" sz="1800" dirty="0">
+                <a:latin typeface="Corbel"/>
+                <a:cs typeface="Corbel"/>
+              </a:rPr>
+              <a:t>Diamantes color </a:t>
+            </a:r>
+            <a:r>
+              <a:rPr lang="es-MX" sz="1800" dirty="0" err="1">
+                <a:latin typeface="Corbel"/>
+                <a:cs typeface="Corbel"/>
+              </a:rPr>
+              <a:t>cyan</a:t>
+            </a:r>
+            <a:r>
+              <a:rPr lang="es-MX" sz="1800" dirty="0">
+                <a:latin typeface="Corbel"/>
+                <a:cs typeface="Corbel"/>
+              </a:rPr>
+              <a:t> unidos por</a:t>
+            </a:r>
+            <a:r>
+              <a:rPr lang="es-MX" sz="1800" spc="-5" dirty="0">
+                <a:latin typeface="Corbel"/>
+                <a:cs typeface="Corbel"/>
+              </a:rPr>
+              <a:t> </a:t>
+            </a:r>
+            <a:r>
+              <a:rPr lang="es-MX" sz="1800" dirty="0">
+                <a:latin typeface="Corbel"/>
+                <a:cs typeface="Corbel"/>
+              </a:rPr>
+              <a:t>raya y puntos alternados</a:t>
+            </a:r>
+          </a:p>
+        </p:txBody>
+      </p:sp>
+      <p:sp>
+        <p:nvSpPr>
+          <p:cNvPr id="12" name="object 12"/>
+          <p:cNvSpPr/>
+          <p:nvPr/>
+        </p:nvSpPr>
+        <p:spPr>
+          <a:xfrm>
+            <a:off x="1049383" y="4052790"/>
+            <a:ext cx="5012435" cy="509015"/>
+          </a:xfrm>
+          <a:prstGeom prst="rect">
+            <a:avLst/>
+          </a:prstGeom>
+          <a:blipFill>
+            <a:blip r:embed="rId7" cstate="print"/>
+            <a:stretch>
+              <a:fillRect/>
+            </a:stretch>
+          </a:blipFill>
+        </p:spPr>
+        <p:txBody>
+          <a:bodyPr wrap="square" lIns="0" tIns="0" rIns="0" bIns="0" rtlCol="0"/>
+          <a:lstStyle/>
+          <a:p>
+            <a:endParaRPr dirty="0"/>
+          </a:p>
+        </p:txBody>
+      </p:sp>
     </p:spTree>
   </p:cSld>
   <p:clrMapOvr>
@@ -8440,7 +7532,637 @@
 </p:sld>
 </file>
 
-<file path=ppt/slides/slide15.xml><?xml version="1.0" encoding="utf-8"?>
+<file path=ppt/slides/slide13.xml><?xml version="1.0" encoding="utf-8"?>
+<p:sld xmlns:a="http://schemas.openxmlformats.org/drawingml/2006/main" xmlns:r="http://schemas.openxmlformats.org/officeDocument/2006/relationships" xmlns:p="http://schemas.openxmlformats.org/presentationml/2006/main">
+  <p:cSld>
+    <p:spTree>
+      <p:nvGrpSpPr>
+        <p:cNvPr id="1" name=""/>
+        <p:cNvGrpSpPr/>
+        <p:nvPr/>
+      </p:nvGrpSpPr>
+      <p:grpSpPr>
+        <a:xfrm>
+          <a:off x="0" y="0"/>
+          <a:ext cx="0" cy="0"/>
+          <a:chOff x="0" y="0"/>
+          <a:chExt cx="0" cy="0"/>
+        </a:xfrm>
+      </p:grpSpPr>
+      <p:sp>
+        <p:nvSpPr>
+          <p:cNvPr id="2" name="object 2"/>
+          <p:cNvSpPr/>
+          <p:nvPr/>
+        </p:nvSpPr>
+        <p:spPr>
+          <a:xfrm>
+            <a:off x="5359908" y="6316978"/>
+            <a:ext cx="1690115" cy="446530"/>
+          </a:xfrm>
+          <a:prstGeom prst="rect">
+            <a:avLst/>
+          </a:prstGeom>
+          <a:blipFill>
+            <a:blip r:embed="rId3" cstate="print"/>
+            <a:stretch>
+              <a:fillRect/>
+            </a:stretch>
+          </a:blipFill>
+        </p:spPr>
+        <p:txBody>
+          <a:bodyPr wrap="square" lIns="0" tIns="0" rIns="0" bIns="0" rtlCol="0"/>
+          <a:lstStyle/>
+          <a:p>
+            <a:endParaRPr/>
+          </a:p>
+        </p:txBody>
+      </p:sp>
+      <p:sp>
+        <p:nvSpPr>
+          <p:cNvPr id="3" name="object 3"/>
+          <p:cNvSpPr/>
+          <p:nvPr/>
+        </p:nvSpPr>
+        <p:spPr>
+          <a:xfrm>
+            <a:off x="8063483" y="2205227"/>
+            <a:ext cx="4125468" cy="431291"/>
+          </a:xfrm>
+          <a:prstGeom prst="rect">
+            <a:avLst/>
+          </a:prstGeom>
+          <a:blipFill>
+            <a:blip r:embed="rId4" cstate="print"/>
+            <a:stretch>
+              <a:fillRect/>
+            </a:stretch>
+          </a:blipFill>
+        </p:spPr>
+        <p:txBody>
+          <a:bodyPr wrap="square" lIns="0" tIns="0" rIns="0" bIns="0" rtlCol="0"/>
+          <a:lstStyle/>
+          <a:p>
+            <a:endParaRPr/>
+          </a:p>
+        </p:txBody>
+      </p:sp>
+      <p:sp>
+        <p:nvSpPr>
+          <p:cNvPr id="4" name="object 4"/>
+          <p:cNvSpPr/>
+          <p:nvPr/>
+        </p:nvSpPr>
+        <p:spPr>
+          <a:xfrm>
+            <a:off x="8266176" y="0"/>
+            <a:ext cx="3922776" cy="2276855"/>
+          </a:xfrm>
+          <a:prstGeom prst="rect">
+            <a:avLst/>
+          </a:prstGeom>
+          <a:blipFill>
+            <a:blip r:embed="rId5" cstate="print"/>
+            <a:stretch>
+              <a:fillRect/>
+            </a:stretch>
+          </a:blipFill>
+        </p:spPr>
+        <p:txBody>
+          <a:bodyPr wrap="square" lIns="0" tIns="0" rIns="0" bIns="0" rtlCol="0"/>
+          <a:lstStyle/>
+          <a:p>
+            <a:endParaRPr/>
+          </a:p>
+        </p:txBody>
+      </p:sp>
+      <p:sp>
+        <p:nvSpPr>
+          <p:cNvPr id="5" name="object 5"/>
+          <p:cNvSpPr/>
+          <p:nvPr/>
+        </p:nvSpPr>
+        <p:spPr>
+          <a:xfrm>
+            <a:off x="457200" y="0"/>
+            <a:ext cx="1122045" cy="5329555"/>
+          </a:xfrm>
+          <a:custGeom>
+            <a:avLst/>
+            <a:gdLst/>
+            <a:ahLst/>
+            <a:cxnLst/>
+            <a:rect l="l" t="t" r="r" b="b"/>
+            <a:pathLst>
+              <a:path w="1122045" h="5329555">
+                <a:moveTo>
+                  <a:pt x="1121664" y="0"/>
+                </a:moveTo>
+                <a:lnTo>
+                  <a:pt x="867791" y="0"/>
+                </a:lnTo>
+                <a:lnTo>
+                  <a:pt x="0" y="5286502"/>
+                </a:lnTo>
+                <a:lnTo>
+                  <a:pt x="247497" y="5329428"/>
+                </a:lnTo>
+                <a:lnTo>
+                  <a:pt x="1121664" y="0"/>
+                </a:lnTo>
+                <a:close/>
+              </a:path>
+            </a:pathLst>
+          </a:custGeom>
+          <a:solidFill>
+            <a:srgbClr val="2FACEB"/>
+          </a:solidFill>
+        </p:spPr>
+        <p:txBody>
+          <a:bodyPr wrap="square" lIns="0" tIns="0" rIns="0" bIns="0" rtlCol="0"/>
+          <a:lstStyle/>
+          <a:p>
+            <a:endParaRPr/>
+          </a:p>
+        </p:txBody>
+      </p:sp>
+      <p:sp>
+        <p:nvSpPr>
+          <p:cNvPr id="6" name="object 6"/>
+          <p:cNvSpPr/>
+          <p:nvPr/>
+        </p:nvSpPr>
+        <p:spPr>
+          <a:xfrm>
+            <a:off x="150876" y="0"/>
+            <a:ext cx="1117600" cy="5278120"/>
+          </a:xfrm>
+          <a:custGeom>
+            <a:avLst/>
+            <a:gdLst/>
+            <a:ahLst/>
+            <a:cxnLst/>
+            <a:rect l="l" t="t" r="r" b="b"/>
+            <a:pathLst>
+              <a:path w="1117600" h="5278120">
+                <a:moveTo>
+                  <a:pt x="1117092" y="0"/>
+                </a:moveTo>
+                <a:lnTo>
+                  <a:pt x="864793" y="0"/>
+                </a:lnTo>
+                <a:lnTo>
+                  <a:pt x="0" y="5239512"/>
+                </a:lnTo>
+                <a:lnTo>
+                  <a:pt x="249123" y="5277612"/>
+                </a:lnTo>
+                <a:lnTo>
+                  <a:pt x="1117092" y="0"/>
+                </a:lnTo>
+                <a:close/>
+              </a:path>
+            </a:pathLst>
+          </a:custGeom>
+          <a:solidFill>
+            <a:srgbClr val="585858"/>
+          </a:solidFill>
+        </p:spPr>
+        <p:txBody>
+          <a:bodyPr wrap="square" lIns="0" tIns="0" rIns="0" bIns="0" rtlCol="0"/>
+          <a:lstStyle/>
+          <a:p>
+            <a:endParaRPr/>
+          </a:p>
+        </p:txBody>
+      </p:sp>
+      <p:sp>
+        <p:nvSpPr>
+          <p:cNvPr id="7" name="object 7"/>
+          <p:cNvSpPr/>
+          <p:nvPr/>
+        </p:nvSpPr>
+        <p:spPr>
+          <a:xfrm>
+            <a:off x="150876" y="5239511"/>
+            <a:ext cx="1228725" cy="1618615"/>
+          </a:xfrm>
+          <a:custGeom>
+            <a:avLst/>
+            <a:gdLst/>
+            <a:ahLst/>
+            <a:cxnLst/>
+            <a:rect l="l" t="t" r="r" b="b"/>
+            <a:pathLst>
+              <a:path w="1228725" h="1618615">
+                <a:moveTo>
+                  <a:pt x="0" y="0"/>
+                </a:moveTo>
+                <a:lnTo>
+                  <a:pt x="1174369" y="1618487"/>
+                </a:lnTo>
+                <a:lnTo>
+                  <a:pt x="1228344" y="1618487"/>
+                </a:lnTo>
+                <a:lnTo>
+                  <a:pt x="0" y="0"/>
+                </a:lnTo>
+                <a:close/>
+              </a:path>
+            </a:pathLst>
+          </a:custGeom>
+          <a:solidFill>
+            <a:srgbClr val="252525"/>
+          </a:solidFill>
+        </p:spPr>
+        <p:txBody>
+          <a:bodyPr wrap="square" lIns="0" tIns="0" rIns="0" bIns="0" rtlCol="0"/>
+          <a:lstStyle/>
+          <a:p>
+            <a:endParaRPr/>
+          </a:p>
+        </p:txBody>
+      </p:sp>
+      <p:sp>
+        <p:nvSpPr>
+          <p:cNvPr id="8" name="object 8"/>
+          <p:cNvSpPr/>
+          <p:nvPr/>
+        </p:nvSpPr>
+        <p:spPr>
+          <a:xfrm>
+            <a:off x="457200" y="5291328"/>
+            <a:ext cx="1495425" cy="1567180"/>
+          </a:xfrm>
+          <a:custGeom>
+            <a:avLst/>
+            <a:gdLst/>
+            <a:ahLst/>
+            <a:cxnLst/>
+            <a:rect l="l" t="t" r="r" b="b"/>
+            <a:pathLst>
+              <a:path w="1495425" h="1567179">
+                <a:moveTo>
+                  <a:pt x="0" y="0"/>
+                </a:moveTo>
+                <a:lnTo>
+                  <a:pt x="1442720" y="1566672"/>
+                </a:lnTo>
+                <a:lnTo>
+                  <a:pt x="1495044" y="1566672"/>
+                </a:lnTo>
+                <a:lnTo>
+                  <a:pt x="0" y="0"/>
+                </a:lnTo>
+                <a:close/>
+              </a:path>
+            </a:pathLst>
+          </a:custGeom>
+          <a:solidFill>
+            <a:srgbClr val="0C5A82"/>
+          </a:solidFill>
+        </p:spPr>
+        <p:txBody>
+          <a:bodyPr wrap="square" lIns="0" tIns="0" rIns="0" bIns="0" rtlCol="0"/>
+          <a:lstStyle/>
+          <a:p>
+            <a:endParaRPr/>
+          </a:p>
+        </p:txBody>
+      </p:sp>
+      <p:sp>
+        <p:nvSpPr>
+          <p:cNvPr id="9" name="object 9"/>
+          <p:cNvSpPr/>
+          <p:nvPr/>
+        </p:nvSpPr>
+        <p:spPr>
+          <a:xfrm>
+            <a:off x="457200" y="5286755"/>
+            <a:ext cx="2129155" cy="1571625"/>
+          </a:xfrm>
+          <a:custGeom>
+            <a:avLst/>
+            <a:gdLst/>
+            <a:ahLst/>
+            <a:cxnLst/>
+            <a:rect l="l" t="t" r="r" b="b"/>
+            <a:pathLst>
+              <a:path w="2129155" h="1571625">
+                <a:moveTo>
+                  <a:pt x="0" y="0"/>
+                </a:moveTo>
+                <a:lnTo>
+                  <a:pt x="0" y="4699"/>
+                </a:lnTo>
+                <a:lnTo>
+                  <a:pt x="1494408" y="1571243"/>
+                </a:lnTo>
+                <a:lnTo>
+                  <a:pt x="2129028" y="1571243"/>
+                </a:lnTo>
+                <a:lnTo>
+                  <a:pt x="247484" y="42799"/>
+                </a:lnTo>
+                <a:lnTo>
+                  <a:pt x="0" y="0"/>
+                </a:lnTo>
+                <a:close/>
+              </a:path>
+            </a:pathLst>
+          </a:custGeom>
+          <a:solidFill>
+            <a:srgbClr val="1286C3"/>
+          </a:solidFill>
+        </p:spPr>
+        <p:txBody>
+          <a:bodyPr wrap="square" lIns="0" tIns="0" rIns="0" bIns="0" rtlCol="0"/>
+          <a:lstStyle/>
+          <a:p>
+            <a:endParaRPr/>
+          </a:p>
+        </p:txBody>
+      </p:sp>
+      <p:sp>
+        <p:nvSpPr>
+          <p:cNvPr id="10" name="object 10"/>
+          <p:cNvSpPr/>
+          <p:nvPr/>
+        </p:nvSpPr>
+        <p:spPr>
+          <a:xfrm>
+            <a:off x="150876" y="5239511"/>
+            <a:ext cx="1694814" cy="1618615"/>
+          </a:xfrm>
+          <a:custGeom>
+            <a:avLst/>
+            <a:gdLst/>
+            <a:ahLst/>
+            <a:cxnLst/>
+            <a:rect l="l" t="t" r="r" b="b"/>
+            <a:pathLst>
+              <a:path w="1694814" h="1618615">
+                <a:moveTo>
+                  <a:pt x="0" y="0"/>
+                </a:moveTo>
+                <a:lnTo>
+                  <a:pt x="1228217" y="1618487"/>
+                </a:lnTo>
+                <a:lnTo>
+                  <a:pt x="1694688" y="1618487"/>
+                </a:lnTo>
+                <a:lnTo>
+                  <a:pt x="291972" y="95250"/>
+                </a:lnTo>
+                <a:lnTo>
+                  <a:pt x="244360" y="42799"/>
+                </a:lnTo>
+                <a:lnTo>
+                  <a:pt x="249123" y="42799"/>
+                </a:lnTo>
+                <a:lnTo>
+                  <a:pt x="249123" y="38100"/>
+                </a:lnTo>
+                <a:lnTo>
+                  <a:pt x="244360" y="38100"/>
+                </a:lnTo>
+                <a:lnTo>
+                  <a:pt x="0" y="0"/>
+                </a:lnTo>
+                <a:close/>
+              </a:path>
+            </a:pathLst>
+          </a:custGeom>
+          <a:solidFill>
+            <a:srgbClr val="404040"/>
+          </a:solidFill>
+        </p:spPr>
+        <p:txBody>
+          <a:bodyPr wrap="square" lIns="0" tIns="0" rIns="0" bIns="0" rtlCol="0"/>
+          <a:lstStyle/>
+          <a:p>
+            <a:endParaRPr/>
+          </a:p>
+        </p:txBody>
+      </p:sp>
+      <p:sp>
+        <p:nvSpPr>
+          <p:cNvPr id="11" name="object 11"/>
+          <p:cNvSpPr/>
+          <p:nvPr/>
+        </p:nvSpPr>
+        <p:spPr>
+          <a:xfrm>
+            <a:off x="0" y="0"/>
+            <a:ext cx="12189460" cy="6858000"/>
+          </a:xfrm>
+          <a:custGeom>
+            <a:avLst/>
+            <a:gdLst/>
+            <a:ahLst/>
+            <a:cxnLst/>
+            <a:rect l="l" t="t" r="r" b="b"/>
+            <a:pathLst>
+              <a:path w="12189460" h="6858000">
+                <a:moveTo>
+                  <a:pt x="0" y="6858000"/>
+                </a:moveTo>
+                <a:lnTo>
+                  <a:pt x="12188952" y="6858000"/>
+                </a:lnTo>
+                <a:lnTo>
+                  <a:pt x="12188952" y="0"/>
+                </a:lnTo>
+                <a:lnTo>
+                  <a:pt x="0" y="0"/>
+                </a:lnTo>
+                <a:lnTo>
+                  <a:pt x="0" y="6858000"/>
+                </a:lnTo>
+              </a:path>
+            </a:pathLst>
+          </a:custGeom>
+          <a:solidFill>
+            <a:srgbClr val="576D6E"/>
+          </a:solidFill>
+        </p:spPr>
+        <p:txBody>
+          <a:bodyPr wrap="square" lIns="0" tIns="0" rIns="0" bIns="0" rtlCol="0"/>
+          <a:lstStyle/>
+          <a:p>
+            <a:endParaRPr/>
+          </a:p>
+        </p:txBody>
+      </p:sp>
+      <p:sp>
+        <p:nvSpPr>
+          <p:cNvPr id="12" name="object 12"/>
+          <p:cNvSpPr/>
+          <p:nvPr/>
+        </p:nvSpPr>
+        <p:spPr>
+          <a:xfrm>
+            <a:off x="379476" y="266698"/>
+            <a:ext cx="11736324" cy="6438902"/>
+          </a:xfrm>
+          <a:custGeom>
+            <a:avLst/>
+            <a:gdLst/>
+            <a:ahLst/>
+            <a:cxnLst/>
+            <a:rect l="l" t="t" r="r" b="b"/>
+            <a:pathLst>
+              <a:path w="11235055" h="5897880">
+                <a:moveTo>
+                  <a:pt x="0" y="5897880"/>
+                </a:moveTo>
+                <a:lnTo>
+                  <a:pt x="11234928" y="5897880"/>
+                </a:lnTo>
+                <a:lnTo>
+                  <a:pt x="11234928" y="0"/>
+                </a:lnTo>
+                <a:lnTo>
+                  <a:pt x="0" y="0"/>
+                </a:lnTo>
+                <a:lnTo>
+                  <a:pt x="0" y="5897880"/>
+                </a:lnTo>
+                <a:close/>
+              </a:path>
+            </a:pathLst>
+          </a:custGeom>
+          <a:solidFill>
+            <a:srgbClr val="FFFFFF"/>
+          </a:solidFill>
+        </p:spPr>
+        <p:txBody>
+          <a:bodyPr wrap="square" lIns="0" tIns="0" rIns="0" bIns="0" rtlCol="0"/>
+          <a:lstStyle/>
+          <a:p>
+            <a:endParaRPr/>
+          </a:p>
+        </p:txBody>
+      </p:sp>
+      <p:sp>
+        <p:nvSpPr>
+          <p:cNvPr id="14" name="object 14"/>
+          <p:cNvSpPr txBox="1">
+            <a:spLocks noGrp="1"/>
+          </p:cNvSpPr>
+          <p:nvPr>
+            <p:ph type="title"/>
+          </p:nvPr>
+        </p:nvSpPr>
+        <p:spPr>
+          <a:xfrm>
+            <a:off x="2286000" y="278819"/>
+            <a:ext cx="7696200" cy="553998"/>
+          </a:xfrm>
+          <a:prstGeom prst="rect">
+            <a:avLst/>
+          </a:prstGeom>
+        </p:spPr>
+        <p:txBody>
+          <a:bodyPr vert="horz" wrap="square" lIns="0" tIns="0" rIns="0" bIns="0" rtlCol="0">
+            <a:spAutoFit/>
+          </a:bodyPr>
+          <a:lstStyle/>
+          <a:p>
+            <a:pPr marL="174625" algn="ctr">
+              <a:lnSpc>
+                <a:spcPct val="100000"/>
+              </a:lnSpc>
+            </a:pPr>
+            <a:r>
+              <a:rPr lang="es-MX" sz="3600" b="1" spc="-20" dirty="0"/>
+              <a:t>Gráfica </a:t>
+            </a:r>
+            <a:r>
+              <a:rPr lang="es-MX" sz="3600" b="1" spc="-15" dirty="0"/>
+              <a:t>con dos</a:t>
+            </a:r>
+            <a:r>
+              <a:rPr sz="3600" b="1" spc="-5" dirty="0"/>
+              <a:t> </a:t>
+            </a:r>
+            <a:r>
+              <a:rPr sz="3600" b="1" spc="-15" dirty="0"/>
+              <a:t>líneas</a:t>
+            </a:r>
+            <a:endParaRPr sz="3600" b="1" dirty="0"/>
+          </a:p>
+        </p:txBody>
+      </p:sp>
+      <p:pic>
+        <p:nvPicPr>
+          <p:cNvPr id="21" name="Imagen 20">
+            <a:extLst>
+              <a:ext uri="{FF2B5EF4-FFF2-40B4-BE49-F238E27FC236}">
+                <a16:creationId xmlns:a16="http://schemas.microsoft.com/office/drawing/2014/main" id="{C87D43F5-4557-954F-0639-737047624E8A}"/>
+              </a:ext>
+            </a:extLst>
+          </p:cNvPr>
+          <p:cNvPicPr>
+            <a:picLocks noChangeAspect="1"/>
+          </p:cNvPicPr>
+          <p:nvPr/>
+        </p:nvPicPr>
+        <p:blipFill>
+          <a:blip r:embed="rId6"/>
+          <a:stretch>
+            <a:fillRect/>
+          </a:stretch>
+        </p:blipFill>
+        <p:spPr>
+          <a:xfrm>
+            <a:off x="609599" y="1265819"/>
+            <a:ext cx="6324601" cy="3879310"/>
+          </a:xfrm>
+          <a:prstGeom prst="rect">
+            <a:avLst/>
+          </a:prstGeom>
+        </p:spPr>
+      </p:pic>
+      <p:pic>
+        <p:nvPicPr>
+          <p:cNvPr id="18" name="Imagen 17">
+            <a:extLst>
+              <a:ext uri="{FF2B5EF4-FFF2-40B4-BE49-F238E27FC236}">
+                <a16:creationId xmlns:a16="http://schemas.microsoft.com/office/drawing/2014/main" id="{AAEE8686-463F-7609-3A5F-D7340BE9807A}"/>
+              </a:ext>
+            </a:extLst>
+          </p:cNvPr>
+          <p:cNvPicPr>
+            <a:picLocks noChangeAspect="1"/>
+          </p:cNvPicPr>
+          <p:nvPr/>
+        </p:nvPicPr>
+        <p:blipFill>
+          <a:blip r:embed="rId7"/>
+          <a:stretch>
+            <a:fillRect/>
+          </a:stretch>
+        </p:blipFill>
+        <p:spPr>
+          <a:xfrm>
+            <a:off x="6652477" y="2127350"/>
+            <a:ext cx="5441552" cy="4481278"/>
+          </a:xfrm>
+          <a:prstGeom prst="rect">
+            <a:avLst/>
+          </a:prstGeom>
+        </p:spPr>
+      </p:pic>
+    </p:spTree>
+  </p:cSld>
+  <p:clrMapOvr>
+    <a:masterClrMapping/>
+  </p:clrMapOvr>
+</p:sld>
+</file>
+
+<file path=ppt/slides/slide14.xml><?xml version="1.0" encoding="utf-8"?>
 <p:sld xmlns:a="http://schemas.openxmlformats.org/drawingml/2006/main" xmlns:r="http://schemas.openxmlformats.org/officeDocument/2006/relationships" xmlns:p="http://schemas.openxmlformats.org/presentationml/2006/main">
   <p:cSld>
     <p:spTree>
@@ -10614,7 +10336,7 @@
 </p:sld>
 </file>
 
-<file path=ppt/slides/slide16.xml><?xml version="1.0" encoding="utf-8"?>
+<file path=ppt/slides/slide15.xml><?xml version="1.0" encoding="utf-8"?>
 <p:sld xmlns:a="http://schemas.openxmlformats.org/drawingml/2006/main" xmlns:r="http://schemas.openxmlformats.org/officeDocument/2006/relationships" xmlns:p="http://schemas.openxmlformats.org/presentationml/2006/main">
   <p:cSld>
     <p:spTree>
@@ -10639,7 +10361,7 @@
         </p:nvSpPr>
         <p:spPr>
           <a:xfrm>
-            <a:off x="2367852" y="152400"/>
+            <a:off x="2130108" y="0"/>
             <a:ext cx="7931784" cy="615553"/>
           </a:xfrm>
           <a:prstGeom prst="rect">
@@ -10744,35 +10466,36 @@
           </a:p>
         </p:txBody>
       </p:sp>
-      <p:sp>
-        <p:nvSpPr>
-          <p:cNvPr id="3" name="object 3"/>
-          <p:cNvSpPr/>
+      <p:pic>
+        <p:nvPicPr>
+          <p:cNvPr id="7" name="Imagen 6">
+            <a:extLst>
+              <a:ext uri="{FF2B5EF4-FFF2-40B4-BE49-F238E27FC236}">
+                <a16:creationId xmlns:a16="http://schemas.microsoft.com/office/drawing/2014/main" id="{D8CF2F2F-FC05-5F3C-4AE5-1E70322D3235}"/>
+              </a:ext>
+            </a:extLst>
+          </p:cNvPr>
+          <p:cNvPicPr>
+            <a:picLocks noChangeAspect="1"/>
+          </p:cNvPicPr>
           <p:nvPr/>
-        </p:nvSpPr>
+        </p:nvPicPr>
+        <p:blipFill>
+          <a:blip r:embed="rId3"/>
+          <a:stretch>
+            <a:fillRect/>
+          </a:stretch>
+        </p:blipFill>
         <p:spPr>
           <a:xfrm>
-            <a:off x="1752600" y="1075182"/>
-            <a:ext cx="9162288" cy="4707636"/>
+            <a:off x="2362200" y="762000"/>
+            <a:ext cx="8285355" cy="5943600"/>
           </a:xfrm>
           <a:prstGeom prst="rect">
             <a:avLst/>
           </a:prstGeom>
-          <a:blipFill>
-            <a:blip r:embed="rId3" cstate="print"/>
-            <a:stretch>
-              <a:fillRect/>
-            </a:stretch>
-          </a:blipFill>
         </p:spPr>
-        <p:txBody>
-          <a:bodyPr wrap="square" lIns="0" tIns="0" rIns="0" bIns="0" rtlCol="0"/>
-          <a:lstStyle/>
-          <a:p>
-            <a:endParaRPr/>
-          </a:p>
-        </p:txBody>
-      </p:sp>
+      </p:pic>
     </p:spTree>
   </p:cSld>
   <p:clrMapOvr>
@@ -10781,7 +10504,7 @@
 </p:sld>
 </file>
 
-<file path=ppt/slides/slide17.xml><?xml version="1.0" encoding="utf-8"?>
+<file path=ppt/slides/slide16.xml><?xml version="1.0" encoding="utf-8"?>
 <p:sld xmlns:a="http://schemas.openxmlformats.org/drawingml/2006/main" xmlns:r="http://schemas.openxmlformats.org/officeDocument/2006/relationships" xmlns:p="http://schemas.openxmlformats.org/presentationml/2006/main">
   <p:cSld>
     <p:spTree>
@@ -10870,10 +10593,10 @@
       </p:sp>
       <p:pic>
         <p:nvPicPr>
-          <p:cNvPr id="4" name="Picture 3">
+          <p:cNvPr id="5" name="Imagen 4">
             <a:extLst>
               <a:ext uri="{FF2B5EF4-FFF2-40B4-BE49-F238E27FC236}">
-                <a16:creationId xmlns:a16="http://schemas.microsoft.com/office/drawing/2014/main" id="{2085D9CC-CD89-2F68-4775-CDA8EEDB87F3}"/>
+                <a16:creationId xmlns:a16="http://schemas.microsoft.com/office/drawing/2014/main" id="{827B2B07-D2F4-FB87-8B13-238DFA74B682}"/>
               </a:ext>
             </a:extLst>
           </p:cNvPr>
@@ -10890,8 +10613,8 @@
         </p:blipFill>
         <p:spPr>
           <a:xfrm>
-            <a:off x="471455" y="685800"/>
-            <a:ext cx="11326971" cy="6031477"/>
+            <a:off x="611561" y="899232"/>
+            <a:ext cx="10968877" cy="5896966"/>
           </a:xfrm>
           <a:prstGeom prst="rect">
             <a:avLst/>
@@ -10906,7 +10629,7 @@
 </p:sld>
 </file>
 
-<file path=ppt/slides/slide18.xml><?xml version="1.0" encoding="utf-8"?>
+<file path=ppt/slides/slide17.xml><?xml version="1.0" encoding="utf-8"?>
 <p:sld xmlns:a="http://schemas.openxmlformats.org/drawingml/2006/main" xmlns:r="http://schemas.openxmlformats.org/officeDocument/2006/relationships" xmlns:p="http://schemas.openxmlformats.org/presentationml/2006/main">
   <p:cSld>
     <p:spTree>
@@ -10964,7 +10687,7 @@
         </p:nvSpPr>
         <p:spPr>
           <a:xfrm>
-            <a:off x="1968626" y="-152324"/>
+            <a:off x="1600200" y="0"/>
             <a:ext cx="8966454" cy="965304"/>
           </a:xfrm>
           <a:prstGeom prst="rect">
@@ -11306,14 +11029,7 @@
                 <a:latin typeface="Arial"/>
                 <a:cs typeface="Arial"/>
               </a:rPr>
-              <a:t>Enero a Septiembre de 2024</a:t>
-            </a:r>
-            <a:r>
-              <a:rPr sz="2000" b="1" spc="-75" dirty="0">
-                <a:latin typeface="Arial"/>
-                <a:cs typeface="Arial"/>
-              </a:rPr>
-              <a:t>.</a:t>
+              <a:t>Enero a Septiembre de 2025</a:t>
             </a:r>
             <a:endParaRPr sz="2000" b="1" dirty="0">
               <a:latin typeface="Arial"/>
@@ -12310,13 +12026,13 @@
             </a:r>
             <a:r>
               <a:rPr lang="es-MX" sz="2200" dirty="0"/>
-              <a:t> = [16.90, 17.04, 16.72, 16.71, 16.68, 18.46, 17.73, 18.65, 19.16]</a:t>
+              <a:t> = [20.45, 20.32, 19.94, 20.13, 19.49, 18.95, 18.81, 18.75, 18.36]</a:t>
             </a:r>
           </a:p>
           <a:p>
             <a:r>
               <a:rPr lang="es-MX" sz="2200" dirty="0"/>
-              <a:t>euro =  [18.50, 18.36, 18.20, 17.75, 18.17, 19.76, 19.32, 20.46, 21.25]</a:t>
+              <a:t>euro =  [21.06, 21.32, 21.69, 22.73, 21.81, 21.87, 21.83, 21.95, 21.60]</a:t>
             </a:r>
           </a:p>
         </p:txBody>
@@ -12329,7 +12045,7 @@
 </p:sld>
 </file>
 
-<file path=ppt/slides/slide19.xml><?xml version="1.0" encoding="utf-8"?>
+<file path=ppt/slides/slide18.xml><?xml version="1.0" encoding="utf-8"?>
 <p:sld xmlns:a="http://schemas.openxmlformats.org/drawingml/2006/main" xmlns:r="http://schemas.openxmlformats.org/officeDocument/2006/relationships" xmlns:p="http://schemas.openxmlformats.org/presentationml/2006/main">
   <p:cSld>
     <p:spTree>
